--- a/misoka/2.3.Lasso/2.3.Lasso.pptx
+++ b/misoka/2.3.Lasso/2.3.Lasso.pptx
@@ -206,7 +206,7 @@
           <a:p>
             <a:fld id="{35AF1AB0-152F-4944-8B0B-D6AC80456478}" type="datetimeFigureOut">
               <a:rPr kumimoji="1" lang="ja-JP" altLang="en-US" smtClean="0"/>
-              <a:t>2018/10/27</a:t>
+              <a:t>2018/10/29</a:t>
             </a:fld>
             <a:endParaRPr kumimoji="1" lang="ja-JP" altLang="en-US"/>
           </a:p>
@@ -694,7 +694,7 @@
           <a:p>
             <a:fld id="{9162DFDF-7161-450E-AA25-87B734D9927A}" type="datetime1">
               <a:rPr kumimoji="1" lang="ja-JP" altLang="en-US" smtClean="0"/>
-              <a:t>2018/10/27</a:t>
+              <a:t>2018/10/29</a:t>
             </a:fld>
             <a:endParaRPr kumimoji="1" lang="ja-JP" altLang="en-US"/>
           </a:p>
@@ -926,7 +926,7 @@
           <a:p>
             <a:fld id="{05170B31-FCB0-4503-B8DD-4901361C2F6F}" type="datetime1">
               <a:rPr kumimoji="1" lang="ja-JP" altLang="en-US" smtClean="0"/>
-              <a:t>2018/10/27</a:t>
+              <a:t>2018/10/29</a:t>
             </a:fld>
             <a:endParaRPr kumimoji="1" lang="ja-JP" altLang="en-US"/>
           </a:p>
@@ -1133,7 +1133,7 @@
           <a:p>
             <a:fld id="{A285A42D-9368-4BB8-90BE-0F899494FD93}" type="datetime1">
               <a:rPr kumimoji="1" lang="ja-JP" altLang="en-US" smtClean="0"/>
-              <a:t>2018/10/27</a:t>
+              <a:t>2018/10/29</a:t>
             </a:fld>
             <a:endParaRPr kumimoji="1" lang="ja-JP" altLang="en-US"/>
           </a:p>
@@ -1330,7 +1330,7 @@
           <a:p>
             <a:fld id="{AC56DD09-0C5E-431E-AADA-074A2AD145DD}" type="datetime1">
               <a:rPr kumimoji="1" lang="ja-JP" altLang="en-US" smtClean="0"/>
-              <a:t>2018/10/27</a:t>
+              <a:t>2018/10/29</a:t>
             </a:fld>
             <a:endParaRPr kumimoji="1" lang="ja-JP" altLang="en-US"/>
           </a:p>
@@ -1578,7 +1578,7 @@
           <a:p>
             <a:fld id="{E3F455DD-B8CA-4C30-97FD-952368997C4F}" type="datetime1">
               <a:rPr kumimoji="1" lang="ja-JP" altLang="en-US" smtClean="0"/>
-              <a:t>2018/10/27</a:t>
+              <a:t>2018/10/29</a:t>
             </a:fld>
             <a:endParaRPr kumimoji="1" lang="ja-JP" altLang="en-US"/>
           </a:p>
@@ -1960,7 +1960,7 @@
           <a:p>
             <a:fld id="{6AD42BE7-B330-4BC3-BB4C-EE0029A16A41}" type="datetime1">
               <a:rPr kumimoji="1" lang="ja-JP" altLang="en-US" smtClean="0"/>
-              <a:t>2018/10/27</a:t>
+              <a:t>2018/10/29</a:t>
             </a:fld>
             <a:endParaRPr kumimoji="1" lang="ja-JP" altLang="en-US"/>
           </a:p>
@@ -2490,7 +2490,7 @@
           <a:p>
             <a:fld id="{68A324F7-1AF9-496C-9147-148D735ACB58}" type="datetime1">
               <a:rPr kumimoji="1" lang="ja-JP" altLang="en-US" smtClean="0"/>
-              <a:t>2018/10/27</a:t>
+              <a:t>2018/10/29</a:t>
             </a:fld>
             <a:endParaRPr kumimoji="1" lang="ja-JP" altLang="en-US"/>
           </a:p>
@@ -2638,7 +2638,7 @@
           <a:p>
             <a:fld id="{27AA0BA3-AB01-4609-88A0-55AAC0CC76BD}" type="datetime1">
               <a:rPr kumimoji="1" lang="ja-JP" altLang="en-US" smtClean="0"/>
-              <a:t>2018/10/27</a:t>
+              <a:t>2018/10/29</a:t>
             </a:fld>
             <a:endParaRPr kumimoji="1" lang="ja-JP" altLang="en-US"/>
           </a:p>
@@ -2728,7 +2728,7 @@
           <a:p>
             <a:fld id="{0CFBF5D4-B5CC-4467-B796-C67F515DE3C5}" type="datetime1">
               <a:rPr kumimoji="1" lang="ja-JP" altLang="en-US" smtClean="0"/>
-              <a:t>2018/10/27</a:t>
+              <a:t>2018/10/29</a:t>
             </a:fld>
             <a:endParaRPr kumimoji="1" lang="ja-JP" altLang="en-US"/>
           </a:p>
@@ -3034,7 +3034,7 @@
           <a:p>
             <a:fld id="{A0163980-AAA3-47F9-A262-0D3864F1B223}" type="datetime1">
               <a:rPr kumimoji="1" lang="ja-JP" altLang="en-US" smtClean="0"/>
-              <a:t>2018/10/27</a:t>
+              <a:t>2018/10/29</a:t>
             </a:fld>
             <a:endParaRPr kumimoji="1" lang="ja-JP" altLang="en-US"/>
           </a:p>
@@ -3339,7 +3339,7 @@
           <a:p>
             <a:fld id="{848859B9-DC56-434E-8346-7979ED5DF987}" type="datetime1">
               <a:rPr kumimoji="1" lang="ja-JP" altLang="en-US" smtClean="0"/>
-              <a:t>2018/10/27</a:t>
+              <a:t>2018/10/29</a:t>
             </a:fld>
             <a:endParaRPr kumimoji="1" lang="ja-JP" altLang="en-US"/>
           </a:p>
@@ -3669,7 +3669,7 @@
           <a:p>
             <a:fld id="{8A9F02A4-63CC-4654-A6E7-8D37C032D0CA}" type="datetime1">
               <a:rPr kumimoji="1" lang="ja-JP" altLang="en-US" smtClean="0"/>
-              <a:t>2018/10/27</a:t>
+              <a:t>2018/10/29</a:t>
             </a:fld>
             <a:endParaRPr kumimoji="1" lang="ja-JP" altLang="en-US"/>
           </a:p>
@@ -5292,16 +5292,12 @@
           </a:p>
           <a:p>
             <a:r>
-              <a:rPr kumimoji="1" lang="ja-JP" altLang="en-US" dirty="0" smtClean="0"/>
-              <a:t>目的：</a:t>
-            </a:r>
-            <a:r>
-              <a:rPr kumimoji="1" lang="en-US" altLang="ja-JP" dirty="0" smtClean="0"/>
-              <a:t>Lasso</a:t>
-            </a:r>
-            <a:r>
-              <a:rPr lang="ja-JP" altLang="en-US" dirty="0" smtClean="0"/>
-              <a:t>の適用手順を示すため</a:t>
+              <a:rPr kumimoji="1" lang="ja-JP" altLang="en-US" smtClean="0"/>
+              <a:t>目的</a:t>
+            </a:r>
+            <a:r>
+              <a:rPr kumimoji="1" lang="ja-JP" altLang="en-US" smtClean="0"/>
+              <a:t>：既知のデータから数値データを予測する</a:t>
             </a:r>
             <a:endParaRPr kumimoji="1" lang="ja-JP" altLang="en-US" dirty="0"/>
           </a:p>

--- a/misoka/2.3.Lasso/2.3.Lasso.pptx
+++ b/misoka/2.3.Lasso/2.3.Lasso.pptx
@@ -206,7 +206,7 @@
           <a:p>
             <a:fld id="{35AF1AB0-152F-4944-8B0B-D6AC80456478}" type="datetimeFigureOut">
               <a:rPr kumimoji="1" lang="ja-JP" altLang="en-US" smtClean="0"/>
-              <a:t>2018/10/29</a:t>
+              <a:t>2018/10/30</a:t>
             </a:fld>
             <a:endParaRPr kumimoji="1" lang="ja-JP" altLang="en-US"/>
           </a:p>
@@ -694,7 +694,7 @@
           <a:p>
             <a:fld id="{9162DFDF-7161-450E-AA25-87B734D9927A}" type="datetime1">
               <a:rPr kumimoji="1" lang="ja-JP" altLang="en-US" smtClean="0"/>
-              <a:t>2018/10/29</a:t>
+              <a:t>2018/10/30</a:t>
             </a:fld>
             <a:endParaRPr kumimoji="1" lang="ja-JP" altLang="en-US"/>
           </a:p>
@@ -926,7 +926,7 @@
           <a:p>
             <a:fld id="{05170B31-FCB0-4503-B8DD-4901361C2F6F}" type="datetime1">
               <a:rPr kumimoji="1" lang="ja-JP" altLang="en-US" smtClean="0"/>
-              <a:t>2018/10/29</a:t>
+              <a:t>2018/10/30</a:t>
             </a:fld>
             <a:endParaRPr kumimoji="1" lang="ja-JP" altLang="en-US"/>
           </a:p>
@@ -1133,7 +1133,7 @@
           <a:p>
             <a:fld id="{A285A42D-9368-4BB8-90BE-0F899494FD93}" type="datetime1">
               <a:rPr kumimoji="1" lang="ja-JP" altLang="en-US" smtClean="0"/>
-              <a:t>2018/10/29</a:t>
+              <a:t>2018/10/30</a:t>
             </a:fld>
             <a:endParaRPr kumimoji="1" lang="ja-JP" altLang="en-US"/>
           </a:p>
@@ -1330,7 +1330,7 @@
           <a:p>
             <a:fld id="{AC56DD09-0C5E-431E-AADA-074A2AD145DD}" type="datetime1">
               <a:rPr kumimoji="1" lang="ja-JP" altLang="en-US" smtClean="0"/>
-              <a:t>2018/10/29</a:t>
+              <a:t>2018/10/30</a:t>
             </a:fld>
             <a:endParaRPr kumimoji="1" lang="ja-JP" altLang="en-US"/>
           </a:p>
@@ -1578,7 +1578,7 @@
           <a:p>
             <a:fld id="{E3F455DD-B8CA-4C30-97FD-952368997C4F}" type="datetime1">
               <a:rPr kumimoji="1" lang="ja-JP" altLang="en-US" smtClean="0"/>
-              <a:t>2018/10/29</a:t>
+              <a:t>2018/10/30</a:t>
             </a:fld>
             <a:endParaRPr kumimoji="1" lang="ja-JP" altLang="en-US"/>
           </a:p>
@@ -1960,7 +1960,7 @@
           <a:p>
             <a:fld id="{6AD42BE7-B330-4BC3-BB4C-EE0029A16A41}" type="datetime1">
               <a:rPr kumimoji="1" lang="ja-JP" altLang="en-US" smtClean="0"/>
-              <a:t>2018/10/29</a:t>
+              <a:t>2018/10/30</a:t>
             </a:fld>
             <a:endParaRPr kumimoji="1" lang="ja-JP" altLang="en-US"/>
           </a:p>
@@ -2490,7 +2490,7 @@
           <a:p>
             <a:fld id="{68A324F7-1AF9-496C-9147-148D735ACB58}" type="datetime1">
               <a:rPr kumimoji="1" lang="ja-JP" altLang="en-US" smtClean="0"/>
-              <a:t>2018/10/29</a:t>
+              <a:t>2018/10/30</a:t>
             </a:fld>
             <a:endParaRPr kumimoji="1" lang="ja-JP" altLang="en-US"/>
           </a:p>
@@ -2638,7 +2638,7 @@
           <a:p>
             <a:fld id="{27AA0BA3-AB01-4609-88A0-55AAC0CC76BD}" type="datetime1">
               <a:rPr kumimoji="1" lang="ja-JP" altLang="en-US" smtClean="0"/>
-              <a:t>2018/10/29</a:t>
+              <a:t>2018/10/30</a:t>
             </a:fld>
             <a:endParaRPr kumimoji="1" lang="ja-JP" altLang="en-US"/>
           </a:p>
@@ -2728,7 +2728,7 @@
           <a:p>
             <a:fld id="{0CFBF5D4-B5CC-4467-B796-C67F515DE3C5}" type="datetime1">
               <a:rPr kumimoji="1" lang="ja-JP" altLang="en-US" smtClean="0"/>
-              <a:t>2018/10/29</a:t>
+              <a:t>2018/10/30</a:t>
             </a:fld>
             <a:endParaRPr kumimoji="1" lang="ja-JP" altLang="en-US"/>
           </a:p>
@@ -3034,7 +3034,7 @@
           <a:p>
             <a:fld id="{A0163980-AAA3-47F9-A262-0D3864F1B223}" type="datetime1">
               <a:rPr kumimoji="1" lang="ja-JP" altLang="en-US" smtClean="0"/>
-              <a:t>2018/10/29</a:t>
+              <a:t>2018/10/30</a:t>
             </a:fld>
             <a:endParaRPr kumimoji="1" lang="ja-JP" altLang="en-US"/>
           </a:p>
@@ -3339,7 +3339,7 @@
           <a:p>
             <a:fld id="{848859B9-DC56-434E-8346-7979ED5DF987}" type="datetime1">
               <a:rPr kumimoji="1" lang="ja-JP" altLang="en-US" smtClean="0"/>
-              <a:t>2018/10/29</a:t>
+              <a:t>2018/10/30</a:t>
             </a:fld>
             <a:endParaRPr kumimoji="1" lang="ja-JP" altLang="en-US"/>
           </a:p>
@@ -3669,7 +3669,7 @@
           <a:p>
             <a:fld id="{8A9F02A4-63CC-4654-A6E7-8D37C032D0CA}" type="datetime1">
               <a:rPr kumimoji="1" lang="ja-JP" altLang="en-US" smtClean="0"/>
-              <a:t>2018/10/29</a:t>
+              <a:t>2018/10/30</a:t>
             </a:fld>
             <a:endParaRPr kumimoji="1" lang="ja-JP" altLang="en-US"/>
           </a:p>
@@ -5293,11 +5293,7 @@
           <a:p>
             <a:r>
               <a:rPr kumimoji="1" lang="ja-JP" altLang="en-US" smtClean="0"/>
-              <a:t>目的</a:t>
-            </a:r>
-            <a:r>
-              <a:rPr kumimoji="1" lang="ja-JP" altLang="en-US" smtClean="0"/>
-              <a:t>：既知のデータから数値データを予測する</a:t>
+              <a:t>目的：既知のデータから数値データを予測する</a:t>
             </a:r>
             <a:endParaRPr kumimoji="1" lang="ja-JP" altLang="en-US" dirty="0"/>
           </a:p>
@@ -5622,41 +5618,6 @@
         <p:txBody>
           <a:bodyPr/>
           <a:lstStyle/>
-          <a:p>
-            <a:r>
-              <a:rPr lang="ja-JP" altLang="en-US" dirty="0" smtClean="0"/>
-              <a:t>目的変数を正規化できること</a:t>
-            </a:r>
-            <a:r>
-              <a:rPr lang="en-US" altLang="ja-JP" dirty="0" smtClean="0"/>
-              <a:t>(</a:t>
-            </a:r>
-            <a:r>
-              <a:rPr lang="ja-JP" altLang="en-US" dirty="0" smtClean="0"/>
-              <a:t>？</a:t>
-            </a:r>
-            <a:r>
-              <a:rPr lang="en-US" altLang="ja-JP" dirty="0" smtClean="0"/>
-              <a:t>)</a:t>
-            </a:r>
-          </a:p>
-          <a:p>
-            <a:endParaRPr lang="en-US" altLang="ja-JP" dirty="0"/>
-          </a:p>
-          <a:p>
-            <a:pPr marL="0" indent="0">
-              <a:buNone/>
-            </a:pPr>
-            <a:r>
-              <a:rPr lang="en-US" altLang="ja-JP" dirty="0" smtClean="0"/>
-              <a:t>Lasso</a:t>
-            </a:r>
-            <a:r>
-              <a:rPr lang="ja-JP" altLang="en-US" smtClean="0"/>
-              <a:t>がよく効きそうな条件</a:t>
-            </a:r>
-            <a:endParaRPr lang="en-US" altLang="ja-JP" smtClean="0"/>
-          </a:p>
           <a:p>
             <a:r>
               <a:rPr lang="ja-JP" altLang="en-US" dirty="0" smtClean="0"/>

--- a/misoka/2.3.Lasso/2.3.Lasso.pptx
+++ b/misoka/2.3.Lasso/2.3.Lasso.pptx
@@ -5,7 +5,7 @@
     <p:sldMasterId id="2147483816" r:id="rId1"/>
   </p:sldMasterIdLst>
   <p:notesMasterIdLst>
-    <p:notesMasterId r:id="rId17"/>
+    <p:notesMasterId r:id="rId18"/>
   </p:notesMasterIdLst>
   <p:sldIdLst>
     <p:sldId id="256" r:id="rId2"/>
@@ -17,12 +17,13 @@
     <p:sldId id="262" r:id="rId8"/>
     <p:sldId id="263" r:id="rId9"/>
     <p:sldId id="264" r:id="rId10"/>
-    <p:sldId id="265" r:id="rId11"/>
-    <p:sldId id="266" r:id="rId12"/>
-    <p:sldId id="267" r:id="rId13"/>
-    <p:sldId id="268" r:id="rId14"/>
-    <p:sldId id="269" r:id="rId15"/>
-    <p:sldId id="270" r:id="rId16"/>
+    <p:sldId id="271" r:id="rId11"/>
+    <p:sldId id="265" r:id="rId12"/>
+    <p:sldId id="266" r:id="rId13"/>
+    <p:sldId id="267" r:id="rId14"/>
+    <p:sldId id="268" r:id="rId15"/>
+    <p:sldId id="269" r:id="rId16"/>
+    <p:sldId id="270" r:id="rId17"/>
   </p:sldIdLst>
   <p:sldSz cx="9144000" cy="6858000" type="screen4x3"/>
   <p:notesSz cx="6858000" cy="9144000"/>
@@ -121,6 +122,22 @@
       </a:defRPr>
     </a:lvl9pPr>
   </p:defaultTextStyle>
+  <p:extLst>
+    <p:ext uri="{EFAFB233-063F-42B5-8137-9DF3F51BA10A}">
+      <p15:sldGuideLst xmlns:p15="http://schemas.microsoft.com/office/powerpoint/2012/main" xmlns="">
+        <p15:guide id="1" orient="horz" pos="2160">
+          <p15:clr>
+            <a:srgbClr val="A4A3A4"/>
+          </p15:clr>
+        </p15:guide>
+        <p15:guide id="2" pos="2880">
+          <p15:clr>
+            <a:srgbClr val="A4A3A4"/>
+          </p15:clr>
+        </p15:guide>
+      </p15:sldGuideLst>
+    </p:ext>
+  </p:extLst>
 </p:presentation>
 </file>
 
@@ -206,7 +223,7 @@
           <a:p>
             <a:fld id="{35AF1AB0-152F-4944-8B0B-D6AC80456478}" type="datetimeFigureOut">
               <a:rPr kumimoji="1" lang="ja-JP" altLang="en-US" smtClean="0"/>
-              <a:t>2018/10/30</a:t>
+              <a:t>2018/11/14</a:t>
             </a:fld>
             <a:endParaRPr kumimoji="1" lang="ja-JP" altLang="en-US"/>
           </a:p>
@@ -694,7 +711,7 @@
           <a:p>
             <a:fld id="{9162DFDF-7161-450E-AA25-87B734D9927A}" type="datetime1">
               <a:rPr kumimoji="1" lang="ja-JP" altLang="en-US" smtClean="0"/>
-              <a:t>2018/10/30</a:t>
+              <a:t>2018/11/14</a:t>
             </a:fld>
             <a:endParaRPr kumimoji="1" lang="ja-JP" altLang="en-US"/>
           </a:p>
@@ -926,7 +943,7 @@
           <a:p>
             <a:fld id="{05170B31-FCB0-4503-B8DD-4901361C2F6F}" type="datetime1">
               <a:rPr kumimoji="1" lang="ja-JP" altLang="en-US" smtClean="0"/>
-              <a:t>2018/10/30</a:t>
+              <a:t>2018/11/14</a:t>
             </a:fld>
             <a:endParaRPr kumimoji="1" lang="ja-JP" altLang="en-US"/>
           </a:p>
@@ -1133,7 +1150,7 @@
           <a:p>
             <a:fld id="{A285A42D-9368-4BB8-90BE-0F899494FD93}" type="datetime1">
               <a:rPr kumimoji="1" lang="ja-JP" altLang="en-US" smtClean="0"/>
-              <a:t>2018/10/30</a:t>
+              <a:t>2018/11/14</a:t>
             </a:fld>
             <a:endParaRPr kumimoji="1" lang="ja-JP" altLang="en-US"/>
           </a:p>
@@ -1330,7 +1347,7 @@
           <a:p>
             <a:fld id="{AC56DD09-0C5E-431E-AADA-074A2AD145DD}" type="datetime1">
               <a:rPr kumimoji="1" lang="ja-JP" altLang="en-US" smtClean="0"/>
-              <a:t>2018/10/30</a:t>
+              <a:t>2018/11/14</a:t>
             </a:fld>
             <a:endParaRPr kumimoji="1" lang="ja-JP" altLang="en-US"/>
           </a:p>
@@ -1578,7 +1595,7 @@
           <a:p>
             <a:fld id="{E3F455DD-B8CA-4C30-97FD-952368997C4F}" type="datetime1">
               <a:rPr kumimoji="1" lang="ja-JP" altLang="en-US" smtClean="0"/>
-              <a:t>2018/10/30</a:t>
+              <a:t>2018/11/14</a:t>
             </a:fld>
             <a:endParaRPr kumimoji="1" lang="ja-JP" altLang="en-US"/>
           </a:p>
@@ -1960,7 +1977,7 @@
           <a:p>
             <a:fld id="{6AD42BE7-B330-4BC3-BB4C-EE0029A16A41}" type="datetime1">
               <a:rPr kumimoji="1" lang="ja-JP" altLang="en-US" smtClean="0"/>
-              <a:t>2018/10/30</a:t>
+              <a:t>2018/11/14</a:t>
             </a:fld>
             <a:endParaRPr kumimoji="1" lang="ja-JP" altLang="en-US"/>
           </a:p>
@@ -2490,7 +2507,7 @@
           <a:p>
             <a:fld id="{68A324F7-1AF9-496C-9147-148D735ACB58}" type="datetime1">
               <a:rPr kumimoji="1" lang="ja-JP" altLang="en-US" smtClean="0"/>
-              <a:t>2018/10/30</a:t>
+              <a:t>2018/11/14</a:t>
             </a:fld>
             <a:endParaRPr kumimoji="1" lang="ja-JP" altLang="en-US"/>
           </a:p>
@@ -2638,7 +2655,7 @@
           <a:p>
             <a:fld id="{27AA0BA3-AB01-4609-88A0-55AAC0CC76BD}" type="datetime1">
               <a:rPr kumimoji="1" lang="ja-JP" altLang="en-US" smtClean="0"/>
-              <a:t>2018/10/30</a:t>
+              <a:t>2018/11/14</a:t>
             </a:fld>
             <a:endParaRPr kumimoji="1" lang="ja-JP" altLang="en-US"/>
           </a:p>
@@ -2728,7 +2745,7 @@
           <a:p>
             <a:fld id="{0CFBF5D4-B5CC-4467-B796-C67F515DE3C5}" type="datetime1">
               <a:rPr kumimoji="1" lang="ja-JP" altLang="en-US" smtClean="0"/>
-              <a:t>2018/10/30</a:t>
+              <a:t>2018/11/14</a:t>
             </a:fld>
             <a:endParaRPr kumimoji="1" lang="ja-JP" altLang="en-US"/>
           </a:p>
@@ -3034,7 +3051,7 @@
           <a:p>
             <a:fld id="{A0163980-AAA3-47F9-A262-0D3864F1B223}" type="datetime1">
               <a:rPr kumimoji="1" lang="ja-JP" altLang="en-US" smtClean="0"/>
-              <a:t>2018/10/30</a:t>
+              <a:t>2018/11/14</a:t>
             </a:fld>
             <a:endParaRPr kumimoji="1" lang="ja-JP" altLang="en-US"/>
           </a:p>
@@ -3339,7 +3356,7 @@
           <a:p>
             <a:fld id="{848859B9-DC56-434E-8346-7979ED5DF987}" type="datetime1">
               <a:rPr kumimoji="1" lang="ja-JP" altLang="en-US" smtClean="0"/>
-              <a:t>2018/10/30</a:t>
+              <a:t>2018/11/14</a:t>
             </a:fld>
             <a:endParaRPr kumimoji="1" lang="ja-JP" altLang="en-US"/>
           </a:p>
@@ -3669,7 +3686,7 @@
           <a:p>
             <a:fld id="{8A9F02A4-63CC-4654-A6E7-8D37C032D0CA}" type="datetime1">
               <a:rPr kumimoji="1" lang="ja-JP" altLang="en-US" smtClean="0"/>
-              <a:t>2018/10/30</a:t>
+              <a:t>2018/11/14</a:t>
             </a:fld>
             <a:endParaRPr kumimoji="1" lang="ja-JP" altLang="en-US"/>
           </a:p>
@@ -4178,8 +4195,16 @@
           <a:lstStyle/>
           <a:p>
             <a:r>
-              <a:rPr lang="ja-JP" altLang="en-US" dirty="0"/>
-              <a:t>理論的背景</a:t>
+              <a:rPr kumimoji="1" lang="ja-JP" altLang="en-US" dirty="0" smtClean="0"/>
+              <a:t>参考）</a:t>
+            </a:r>
+            <a:r>
+              <a:rPr kumimoji="1" lang="en-US" altLang="ja-JP" dirty="0" smtClean="0"/>
+              <a:t>Lasso</a:t>
+            </a:r>
+            <a:r>
+              <a:rPr kumimoji="1" lang="ja-JP" altLang="en-US" dirty="0" smtClean="0"/>
+              <a:t>を繰り返し適用した結果</a:t>
             </a:r>
             <a:endParaRPr kumimoji="1" lang="ja-JP" altLang="en-US" dirty="0"/>
           </a:p>
@@ -4187,7 +4212,7 @@
       </p:sp>
       <p:sp>
         <p:nvSpPr>
-          <p:cNvPr id="4" name="スライド番号プレースホルダー 3"/>
+          <p:cNvPr id="3" name="スライド番号プレースホルダー 2"/>
           <p:cNvSpPr>
             <a:spLocks noGrp="1"/>
           </p:cNvSpPr>
@@ -4208,37 +4233,359 @@
           </a:p>
         </p:txBody>
       </p:sp>
-      <p:pic>
-        <p:nvPicPr>
-          <p:cNvPr id="5" name="図 4"/>
-          <p:cNvPicPr/>
+      <p:graphicFrame>
+        <p:nvGraphicFramePr>
+          <p:cNvPr id="4" name="表 3"/>
+          <p:cNvGraphicFramePr>
+            <a:graphicFrameLocks noGrp="1"/>
+          </p:cNvGraphicFramePr>
+          <p:nvPr>
+            <p:extLst>
+              <p:ext uri="{D42A27DB-BD31-4B8C-83A1-F6EECF244321}">
+                <p14:modId xmlns:p14="http://schemas.microsoft.com/office/powerpoint/2010/main" val="3100794621"/>
+              </p:ext>
+            </p:extLst>
+          </p:nvPr>
+        </p:nvGraphicFramePr>
+        <p:xfrm>
+          <a:off x="251521" y="2060848"/>
+          <a:ext cx="8568951" cy="1854200"/>
+        </p:xfrm>
+        <a:graphic>
+          <a:graphicData uri="http://schemas.openxmlformats.org/drawingml/2006/table">
+            <a:tbl>
+              <a:tblPr firstRow="1" bandRow="1">
+                <a:tableStyleId>{5C22544A-7EE6-4342-B048-85BDC9FD1C3A}</a:tableStyleId>
+              </a:tblPr>
+              <a:tblGrid>
+                <a:gridCol w="869636"/>
+                <a:gridCol w="2298715"/>
+                <a:gridCol w="2520280"/>
+                <a:gridCol w="2880320"/>
+              </a:tblGrid>
+              <a:tr h="370840">
+                <a:tc>
+                  <a:txBody>
+                    <a:bodyPr/>
+                    <a:lstStyle/>
+                    <a:p>
+                      <a:r>
+                        <a:rPr kumimoji="1" lang="ja-JP" altLang="en-US" dirty="0" smtClean="0"/>
+                        <a:t>回数</a:t>
+                      </a:r>
+                      <a:endParaRPr kumimoji="1" lang="ja-JP" altLang="en-US" dirty="0"/>
+                    </a:p>
+                  </a:txBody>
+                  <a:tcPr/>
+                </a:tc>
+                <a:tc>
+                  <a:txBody>
+                    <a:bodyPr/>
+                    <a:lstStyle/>
+                    <a:p>
+                      <a:r>
+                        <a:rPr kumimoji="1" lang="ja-JP" altLang="en-US" dirty="0" smtClean="0"/>
+                        <a:t>説明変数の数</a:t>
+                      </a:r>
+                      <a:endParaRPr kumimoji="1" lang="ja-JP" altLang="en-US" dirty="0"/>
+                    </a:p>
+                  </a:txBody>
+                  <a:tcPr/>
+                </a:tc>
+                <a:tc>
+                  <a:txBody>
+                    <a:bodyPr/>
+                    <a:lstStyle/>
+                    <a:p>
+                      <a:r>
+                        <a:rPr kumimoji="1" lang="ja-JP" altLang="en-US" dirty="0" smtClean="0"/>
+                        <a:t>テストデータでの</a:t>
+                      </a:r>
+                      <a:r>
+                        <a:rPr kumimoji="1" lang="en-US" altLang="ja-JP" dirty="0" smtClean="0"/>
+                        <a:t>RMSE</a:t>
+                      </a:r>
+                      <a:endParaRPr kumimoji="1" lang="ja-JP" altLang="en-US" dirty="0"/>
+                    </a:p>
+                  </a:txBody>
+                  <a:tcPr/>
+                </a:tc>
+                <a:tc>
+                  <a:txBody>
+                    <a:bodyPr/>
+                    <a:lstStyle/>
+                    <a:p>
+                      <a:r>
+                        <a:rPr kumimoji="1" lang="en-US" altLang="ja-JP" dirty="0" err="1" smtClean="0"/>
+                        <a:t>Kaggle</a:t>
+                      </a:r>
+                      <a:r>
+                        <a:rPr kumimoji="1" lang="ja-JP" altLang="en-US" dirty="0" err="1" smtClean="0"/>
+                        <a:t>での</a:t>
+                      </a:r>
+                      <a:r>
+                        <a:rPr kumimoji="1" lang="en-US" altLang="ja-JP" dirty="0" smtClean="0"/>
+                        <a:t>Score</a:t>
+                      </a:r>
+                      <a:endParaRPr kumimoji="1" lang="ja-JP" altLang="en-US" dirty="0"/>
+                    </a:p>
+                  </a:txBody>
+                  <a:tcPr/>
+                </a:tc>
+              </a:tr>
+              <a:tr h="370840">
+                <a:tc>
+                  <a:txBody>
+                    <a:bodyPr/>
+                    <a:lstStyle/>
+                    <a:p>
+                      <a:r>
+                        <a:rPr kumimoji="1" lang="en-US" altLang="ja-JP" dirty="0" smtClean="0"/>
+                        <a:t>1</a:t>
+                      </a:r>
+                      <a:endParaRPr kumimoji="1" lang="ja-JP" altLang="en-US" dirty="0"/>
+                    </a:p>
+                  </a:txBody>
+                  <a:tcPr/>
+                </a:tc>
+                <a:tc>
+                  <a:txBody>
+                    <a:bodyPr/>
+                    <a:lstStyle/>
+                    <a:p>
+                      <a:r>
+                        <a:rPr kumimoji="1" lang="en-US" altLang="ja-JP" dirty="0" smtClean="0"/>
+                        <a:t>283</a:t>
+                      </a:r>
+                      <a:endParaRPr kumimoji="1" lang="ja-JP" altLang="en-US" dirty="0"/>
+                    </a:p>
+                  </a:txBody>
+                  <a:tcPr/>
+                </a:tc>
+                <a:tc>
+                  <a:txBody>
+                    <a:bodyPr/>
+                    <a:lstStyle/>
+                    <a:p>
+                      <a:r>
+                        <a:rPr kumimoji="1" lang="en-US" altLang="ja-JP" dirty="0" smtClean="0"/>
+                        <a:t>0.114252193916</a:t>
+                      </a:r>
+                      <a:endParaRPr kumimoji="1" lang="ja-JP" altLang="en-US" dirty="0"/>
+                    </a:p>
+                  </a:txBody>
+                  <a:tcPr/>
+                </a:tc>
+                <a:tc>
+                  <a:txBody>
+                    <a:bodyPr/>
+                    <a:lstStyle/>
+                    <a:p>
+                      <a:r>
+                        <a:rPr kumimoji="1" lang="en-US" altLang="ja-JP" dirty="0" smtClean="0"/>
+                        <a:t>0.11703</a:t>
+                      </a:r>
+                      <a:endParaRPr kumimoji="1" lang="ja-JP" altLang="en-US" dirty="0"/>
+                    </a:p>
+                  </a:txBody>
+                  <a:tcPr/>
+                </a:tc>
+              </a:tr>
+              <a:tr h="370840">
+                <a:tc>
+                  <a:txBody>
+                    <a:bodyPr/>
+                    <a:lstStyle/>
+                    <a:p>
+                      <a:r>
+                        <a:rPr kumimoji="1" lang="en-US" altLang="ja-JP" dirty="0" smtClean="0"/>
+                        <a:t>2</a:t>
+                      </a:r>
+                      <a:endParaRPr kumimoji="1" lang="ja-JP" altLang="en-US" dirty="0"/>
+                    </a:p>
+                  </a:txBody>
+                  <a:tcPr/>
+                </a:tc>
+                <a:tc>
+                  <a:txBody>
+                    <a:bodyPr/>
+                    <a:lstStyle/>
+                    <a:p>
+                      <a:r>
+                        <a:rPr kumimoji="1" lang="en-US" altLang="ja-JP" dirty="0" smtClean="0"/>
+                        <a:t>93</a:t>
+                      </a:r>
+                      <a:endParaRPr kumimoji="1" lang="ja-JP" altLang="en-US" dirty="0"/>
+                    </a:p>
+                  </a:txBody>
+                  <a:tcPr/>
+                </a:tc>
+                <a:tc>
+                  <a:txBody>
+                    <a:bodyPr/>
+                    <a:lstStyle/>
+                    <a:p>
+                      <a:r>
+                        <a:rPr kumimoji="1" lang="en-US" altLang="ja-JP" dirty="0" smtClean="0"/>
+                        <a:t>0.112625246483</a:t>
+                      </a:r>
+                      <a:endParaRPr kumimoji="1" lang="ja-JP" altLang="en-US" dirty="0"/>
+                    </a:p>
+                  </a:txBody>
+                  <a:tcPr/>
+                </a:tc>
+                <a:tc>
+                  <a:txBody>
+                    <a:bodyPr/>
+                    <a:lstStyle/>
+                    <a:p>
+                      <a:r>
+                        <a:rPr kumimoji="1" lang="en-US" altLang="ja-JP" dirty="0" smtClean="0"/>
+                        <a:t>0.11708</a:t>
+                      </a:r>
+                      <a:endParaRPr kumimoji="1" lang="ja-JP" altLang="en-US" dirty="0"/>
+                    </a:p>
+                  </a:txBody>
+                  <a:tcPr/>
+                </a:tc>
+              </a:tr>
+              <a:tr h="370840">
+                <a:tc>
+                  <a:txBody>
+                    <a:bodyPr/>
+                    <a:lstStyle/>
+                    <a:p>
+                      <a:r>
+                        <a:rPr kumimoji="1" lang="en-US" altLang="ja-JP" dirty="0" smtClean="0"/>
+                        <a:t>3</a:t>
+                      </a:r>
+                      <a:endParaRPr kumimoji="1" lang="ja-JP" altLang="en-US" dirty="0"/>
+                    </a:p>
+                  </a:txBody>
+                  <a:tcPr/>
+                </a:tc>
+                <a:tc>
+                  <a:txBody>
+                    <a:bodyPr/>
+                    <a:lstStyle/>
+                    <a:p>
+                      <a:r>
+                        <a:rPr kumimoji="1" lang="en-US" altLang="ja-JP" dirty="0" smtClean="0"/>
+                        <a:t>92</a:t>
+                      </a:r>
+                      <a:endParaRPr kumimoji="1" lang="ja-JP" altLang="en-US" dirty="0"/>
+                    </a:p>
+                  </a:txBody>
+                  <a:tcPr/>
+                </a:tc>
+                <a:tc>
+                  <a:txBody>
+                    <a:bodyPr/>
+                    <a:lstStyle/>
+                    <a:p>
+                      <a:r>
+                        <a:rPr kumimoji="1" lang="en-US" altLang="ja-JP" dirty="0" smtClean="0"/>
+                        <a:t>0.112520805377</a:t>
+                      </a:r>
+                      <a:endParaRPr kumimoji="1" lang="ja-JP" altLang="en-US" dirty="0"/>
+                    </a:p>
+                  </a:txBody>
+                  <a:tcPr/>
+                </a:tc>
+                <a:tc>
+                  <a:txBody>
+                    <a:bodyPr/>
+                    <a:lstStyle/>
+                    <a:p>
+                      <a:r>
+                        <a:rPr kumimoji="1" lang="en-US" altLang="ja-JP" dirty="0" smtClean="0"/>
+                        <a:t>0.11703</a:t>
+                      </a:r>
+                    </a:p>
+                  </a:txBody>
+                  <a:tcPr/>
+                </a:tc>
+              </a:tr>
+              <a:tr h="370840">
+                <a:tc>
+                  <a:txBody>
+                    <a:bodyPr/>
+                    <a:lstStyle/>
+                    <a:p>
+                      <a:r>
+                        <a:rPr kumimoji="1" lang="en-US" altLang="ja-JP" dirty="0" smtClean="0"/>
+                        <a:t>4</a:t>
+                      </a:r>
+                      <a:endParaRPr kumimoji="1" lang="ja-JP" altLang="en-US" dirty="0"/>
+                    </a:p>
+                  </a:txBody>
+                  <a:tcPr/>
+                </a:tc>
+                <a:tc>
+                  <a:txBody>
+                    <a:bodyPr/>
+                    <a:lstStyle/>
+                    <a:p>
+                      <a:r>
+                        <a:rPr kumimoji="1" lang="en-US" altLang="ja-JP" dirty="0" smtClean="0"/>
+                        <a:t>34</a:t>
+                      </a:r>
+                      <a:endParaRPr kumimoji="1" lang="ja-JP" altLang="en-US" dirty="0"/>
+                    </a:p>
+                  </a:txBody>
+                  <a:tcPr/>
+                </a:tc>
+                <a:tc>
+                  <a:txBody>
+                    <a:bodyPr/>
+                    <a:lstStyle/>
+                    <a:p>
+                      <a:r>
+                        <a:rPr kumimoji="1" lang="en-US" altLang="ja-JP" sz="1800" b="0" i="0" u="none" strike="noStrike" kern="1200" dirty="0" smtClean="0">
+                          <a:solidFill>
+                            <a:schemeClr val="dk1"/>
+                          </a:solidFill>
+                          <a:effectLst/>
+                          <a:latin typeface="+mn-lt"/>
+                          <a:ea typeface="+mn-ea"/>
+                          <a:cs typeface="+mn-cs"/>
+                        </a:rPr>
+                        <a:t>0.125751946306</a:t>
+                      </a:r>
+                      <a:endParaRPr kumimoji="1" lang="ja-JP" altLang="en-US" dirty="0"/>
+                    </a:p>
+                  </a:txBody>
+                  <a:tcPr/>
+                </a:tc>
+                <a:tc>
+                  <a:txBody>
+                    <a:bodyPr/>
+                    <a:lstStyle/>
+                    <a:p>
+                      <a:r>
+                        <a:rPr kumimoji="1" lang="en-US" altLang="ja-JP" dirty="0" smtClean="0"/>
+                        <a:t>0.13605</a:t>
+                      </a:r>
+                      <a:endParaRPr kumimoji="1" lang="en-US" altLang="ja-JP" dirty="0"/>
+                    </a:p>
+                  </a:txBody>
+                  <a:tcPr/>
+                </a:tc>
+              </a:tr>
+            </a:tbl>
+          </a:graphicData>
+        </a:graphic>
+      </p:graphicFrame>
+      <p:sp>
+        <p:nvSpPr>
+          <p:cNvPr id="5" name="テキスト ボックス 4"/>
+          <p:cNvSpPr txBox="1"/>
           <p:nvPr/>
-        </p:nvPicPr>
-        <p:blipFill rotWithShape="1">
-          <a:blip r:embed="rId2"/>
-          <a:srcRect b="53472"/>
-          <a:stretch/>
-        </p:blipFill>
+        </p:nvSpPr>
         <p:spPr>
           <a:xfrm>
-            <a:off x="467544" y="1628800"/>
-            <a:ext cx="8136904" cy="4789824"/>
-          </a:xfrm>
-          <a:prstGeom prst="rect">
-            <a:avLst/>
-          </a:prstGeom>
-        </p:spPr>
-      </p:pic>
-      <p:sp>
-        <p:nvSpPr>
-          <p:cNvPr id="6" name="テキスト ボックス 5"/>
-          <p:cNvSpPr txBox="1"/>
-          <p:nvPr/>
-        </p:nvSpPr>
-        <p:spPr>
-          <a:xfrm>
-            <a:off x="467544" y="1259468"/>
-            <a:ext cx="6048672" cy="369332"/>
+            <a:off x="395536" y="4293096"/>
+            <a:ext cx="7848872" cy="646331"/>
           </a:xfrm>
           <a:prstGeom prst="rect">
             <a:avLst/>
@@ -4252,16 +4599,24 @@
           <a:lstStyle/>
           <a:p>
             <a:r>
-              <a:rPr lang="ja-JP" altLang="en-US" dirty="0" smtClean="0"/>
-              <a:t>引用元：</a:t>
-            </a:r>
-            <a:r>
-              <a:rPr lang="en-US" altLang="ja-JP" dirty="0" smtClean="0"/>
-              <a:t>https</a:t>
-            </a:r>
-            <a:r>
-              <a:rPr lang="en-US" altLang="ja-JP" dirty="0"/>
-              <a:t>://qiita.com/fujin/items/7f0a7b6fc8fb662f510d</a:t>
+              <a:rPr kumimoji="1" lang="ja-JP" altLang="en-US" dirty="0" smtClean="0"/>
+              <a:t>＊</a:t>
+            </a:r>
+            <a:r>
+              <a:rPr kumimoji="1" lang="en-US" altLang="ja-JP" dirty="0" smtClean="0"/>
+              <a:t>4</a:t>
+            </a:r>
+            <a:r>
+              <a:rPr kumimoji="1" lang="ja-JP" altLang="en-US" dirty="0" smtClean="0"/>
+              <a:t>回目はゼロになった説明変数がなかったので、回帰係数が平均以下のものを削除して</a:t>
+            </a:r>
+            <a:r>
+              <a:rPr kumimoji="1" lang="en-US" altLang="ja-JP" dirty="0" smtClean="0"/>
+              <a:t>Lasso</a:t>
+            </a:r>
+            <a:r>
+              <a:rPr kumimoji="1" lang="ja-JP" altLang="en-US" dirty="0" smtClean="0"/>
+              <a:t>を適用してみた</a:t>
             </a:r>
             <a:endParaRPr kumimoji="1" lang="ja-JP" altLang="en-US" dirty="0"/>
           </a:p>
@@ -4270,7 +4625,7 @@
     </p:spTree>
     <p:extLst>
       <p:ext uri="{BB962C8B-B14F-4D97-AF65-F5344CB8AC3E}">
-        <p14:creationId xmlns:p14="http://schemas.microsoft.com/office/powerpoint/2010/main" val="3303200950"/>
+        <p14:creationId xmlns:p14="http://schemas.microsoft.com/office/powerpoint/2010/main" val="3776437186"/>
       </p:ext>
     </p:extLst>
   </p:cSld>
@@ -4313,7 +4668,7 @@
           <a:lstStyle/>
           <a:p>
             <a:r>
-              <a:rPr kumimoji="1" lang="ja-JP" altLang="en-US" dirty="0" smtClean="0"/>
+              <a:rPr lang="ja-JP" altLang="en-US" dirty="0"/>
               <a:t>理論的背景</a:t>
             </a:r>
             <a:endParaRPr kumimoji="1" lang="ja-JP" altLang="en-US" dirty="0"/>
@@ -4322,7 +4677,7 @@
       </p:sp>
       <p:sp>
         <p:nvSpPr>
-          <p:cNvPr id="3" name="スライド番号プレースホルダー 2"/>
+          <p:cNvPr id="4" name="スライド番号プレースホルダー 3"/>
           <p:cNvSpPr>
             <a:spLocks noGrp="1"/>
           </p:cNvSpPr>
@@ -4345,19 +4700,19 @@
       </p:sp>
       <p:pic>
         <p:nvPicPr>
-          <p:cNvPr id="4" name="図 3"/>
+          <p:cNvPr id="5" name="図 4"/>
           <p:cNvPicPr/>
           <p:nvPr/>
         </p:nvPicPr>
         <p:blipFill rotWithShape="1">
           <a:blip r:embed="rId2"/>
-          <a:srcRect t="55238" b="1369"/>
+          <a:srcRect b="53472"/>
           <a:stretch/>
         </p:blipFill>
         <p:spPr>
           <a:xfrm>
-            <a:off x="539552" y="1772816"/>
-            <a:ext cx="8136904" cy="4468484"/>
+            <a:off x="467544" y="1628800"/>
+            <a:ext cx="8136904" cy="4789824"/>
           </a:xfrm>
           <a:prstGeom prst="rect">
             <a:avLst/>
@@ -4366,7 +4721,7 @@
       </p:pic>
       <p:sp>
         <p:nvSpPr>
-          <p:cNvPr id="5" name="テキスト ボックス 4"/>
+          <p:cNvPr id="6" name="テキスト ボックス 5"/>
           <p:cNvSpPr txBox="1"/>
           <p:nvPr/>
         </p:nvSpPr>
@@ -4405,7 +4760,7 @@
     </p:spTree>
     <p:extLst>
       <p:ext uri="{BB962C8B-B14F-4D97-AF65-F5344CB8AC3E}">
-        <p14:creationId xmlns:p14="http://schemas.microsoft.com/office/powerpoint/2010/main" val="2289114839"/>
+        <p14:creationId xmlns:p14="http://schemas.microsoft.com/office/powerpoint/2010/main" val="3303200950"/>
       </p:ext>
     </p:extLst>
   </p:cSld>
@@ -4486,13 +4841,13 @@
         </p:nvPicPr>
         <p:blipFill rotWithShape="1">
           <a:blip r:embed="rId2"/>
-          <a:srcRect t="41801"/>
+          <a:srcRect t="55238" b="1369"/>
           <a:stretch/>
         </p:blipFill>
         <p:spPr>
           <a:xfrm>
-            <a:off x="296217" y="1550485"/>
-            <a:ext cx="8596263" cy="4337582"/>
+            <a:off x="539552" y="1772816"/>
+            <a:ext cx="8136904" cy="4468484"/>
           </a:xfrm>
           <a:prstGeom prst="rect">
             <a:avLst/>
@@ -4540,7 +4895,7 @@
     </p:spTree>
     <p:extLst>
       <p:ext uri="{BB962C8B-B14F-4D97-AF65-F5344CB8AC3E}">
-        <p14:creationId xmlns:p14="http://schemas.microsoft.com/office/powerpoint/2010/main" val="653085416"/>
+        <p14:creationId xmlns:p14="http://schemas.microsoft.com/office/powerpoint/2010/main" val="2289114839"/>
       </p:ext>
     </p:extLst>
   </p:cSld>
@@ -4613,6 +4968,141 @@
           </a:p>
         </p:txBody>
       </p:sp>
+      <p:pic>
+        <p:nvPicPr>
+          <p:cNvPr id="4" name="図 3"/>
+          <p:cNvPicPr/>
+          <p:nvPr/>
+        </p:nvPicPr>
+        <p:blipFill rotWithShape="1">
+          <a:blip r:embed="rId2"/>
+          <a:srcRect t="41801"/>
+          <a:stretch/>
+        </p:blipFill>
+        <p:spPr>
+          <a:xfrm>
+            <a:off x="296217" y="1550485"/>
+            <a:ext cx="8596263" cy="4337582"/>
+          </a:xfrm>
+          <a:prstGeom prst="rect">
+            <a:avLst/>
+          </a:prstGeom>
+        </p:spPr>
+      </p:pic>
+      <p:sp>
+        <p:nvSpPr>
+          <p:cNvPr id="5" name="テキスト ボックス 4"/>
+          <p:cNvSpPr txBox="1"/>
+          <p:nvPr/>
+        </p:nvSpPr>
+        <p:spPr>
+          <a:xfrm>
+            <a:off x="467544" y="1259468"/>
+            <a:ext cx="6048672" cy="369332"/>
+          </a:xfrm>
+          <a:prstGeom prst="rect">
+            <a:avLst/>
+          </a:prstGeom>
+          <a:noFill/>
+        </p:spPr>
+        <p:txBody>
+          <a:bodyPr wrap="square" rtlCol="0">
+            <a:spAutoFit/>
+          </a:bodyPr>
+          <a:lstStyle/>
+          <a:p>
+            <a:r>
+              <a:rPr lang="ja-JP" altLang="en-US" dirty="0" smtClean="0"/>
+              <a:t>引用元：</a:t>
+            </a:r>
+            <a:r>
+              <a:rPr lang="en-US" altLang="ja-JP" dirty="0" smtClean="0"/>
+              <a:t>https</a:t>
+            </a:r>
+            <a:r>
+              <a:rPr lang="en-US" altLang="ja-JP" dirty="0"/>
+              <a:t>://qiita.com/fujin/items/7f0a7b6fc8fb662f510d</a:t>
+            </a:r>
+            <a:endParaRPr kumimoji="1" lang="ja-JP" altLang="en-US" dirty="0"/>
+          </a:p>
+        </p:txBody>
+      </p:sp>
+    </p:spTree>
+    <p:extLst>
+      <p:ext uri="{BB962C8B-B14F-4D97-AF65-F5344CB8AC3E}">
+        <p14:creationId xmlns:p14="http://schemas.microsoft.com/office/powerpoint/2010/main" val="653085416"/>
+      </p:ext>
+    </p:extLst>
+  </p:cSld>
+  <p:clrMapOvr>
+    <a:masterClrMapping/>
+  </p:clrMapOvr>
+</p:sld>
+</file>
+
+<file path=ppt/slides/slide14.xml><?xml version="1.0" encoding="utf-8"?>
+<p:sld xmlns:a="http://schemas.openxmlformats.org/drawingml/2006/main" xmlns:r="http://schemas.openxmlformats.org/officeDocument/2006/relationships" xmlns:p="http://schemas.openxmlformats.org/presentationml/2006/main">
+  <p:cSld>
+    <p:spTree>
+      <p:nvGrpSpPr>
+        <p:cNvPr id="1" name=""/>
+        <p:cNvGrpSpPr/>
+        <p:nvPr/>
+      </p:nvGrpSpPr>
+      <p:grpSpPr>
+        <a:xfrm>
+          <a:off x="0" y="0"/>
+          <a:ext cx="0" cy="0"/>
+          <a:chOff x="0" y="0"/>
+          <a:chExt cx="0" cy="0"/>
+        </a:xfrm>
+      </p:grpSpPr>
+      <p:sp>
+        <p:nvSpPr>
+          <p:cNvPr id="2" name="タイトル 1"/>
+          <p:cNvSpPr>
+            <a:spLocks noGrp="1"/>
+          </p:cNvSpPr>
+          <p:nvPr>
+            <p:ph type="title"/>
+          </p:nvPr>
+        </p:nvSpPr>
+        <p:spPr/>
+        <p:txBody>
+          <a:bodyPr/>
+          <a:lstStyle/>
+          <a:p>
+            <a:r>
+              <a:rPr kumimoji="1" lang="ja-JP" altLang="en-US" dirty="0" smtClean="0"/>
+              <a:t>理論的背景</a:t>
+            </a:r>
+            <a:endParaRPr kumimoji="1" lang="ja-JP" altLang="en-US" dirty="0"/>
+          </a:p>
+        </p:txBody>
+      </p:sp>
+      <p:sp>
+        <p:nvSpPr>
+          <p:cNvPr id="3" name="スライド番号プレースホルダー 2"/>
+          <p:cNvSpPr>
+            <a:spLocks noGrp="1"/>
+          </p:cNvSpPr>
+          <p:nvPr>
+            <p:ph type="sldNum" sz="quarter" idx="12"/>
+          </p:nvPr>
+        </p:nvSpPr>
+        <p:spPr/>
+        <p:txBody>
+          <a:bodyPr/>
+          <a:lstStyle/>
+          <a:p>
+            <a:fld id="{D2D8002D-B5B0-4BAC-B1F6-782DDCCE6D9C}" type="slidenum">
+              <a:rPr kumimoji="1" lang="ja-JP" altLang="en-US" smtClean="0"/>
+              <a:t>14</a:t>
+            </a:fld>
+            <a:endParaRPr kumimoji="1" lang="ja-JP" altLang="en-US"/>
+          </a:p>
+        </p:txBody>
+      </p:sp>
       <p:sp>
         <p:nvSpPr>
           <p:cNvPr id="4" name="テキスト ボックス 3"/>
@@ -4670,7 +5160,7 @@
         </p:blipFill>
         <p:spPr bwMode="auto">
           <a:xfrm>
-            <a:off x="1403648" y="1628800"/>
+            <a:off x="1403648" y="1674837"/>
             <a:ext cx="6076950" cy="4562475"/>
           </a:xfrm>
           <a:prstGeom prst="rect">
@@ -4763,7 +5253,27 @@
             </a:r>
             <a:r>
               <a:rPr lang="ja-JP" altLang="en-US" dirty="0"/>
-              <a:t>関数がゼロになる点</a:t>
+              <a:t>関数</a:t>
+            </a:r>
+            <a:r>
+              <a:rPr lang="ja-JP" altLang="en-US" dirty="0" smtClean="0"/>
+              <a:t>が</a:t>
+            </a:r>
+            <a:r>
+              <a:rPr lang="ja-JP" altLang="en-US" b="1" dirty="0" smtClean="0">
+                <a:solidFill>
+                  <a:srgbClr val="FF0000"/>
+                </a:solidFill>
+              </a:rPr>
+              <a:t>最小</a:t>
+            </a:r>
+            <a:r>
+              <a:rPr lang="ja-JP" altLang="en-US" dirty="0" smtClean="0"/>
+              <a:t>に</a:t>
+            </a:r>
+            <a:r>
+              <a:rPr lang="ja-JP" altLang="en-US" dirty="0"/>
+              <a:t>なる点</a:t>
             </a:r>
           </a:p>
         </p:txBody>
@@ -4772,258 +5282,6 @@
     <p:extLst>
       <p:ext uri="{BB962C8B-B14F-4D97-AF65-F5344CB8AC3E}">
         <p14:creationId xmlns:p14="http://schemas.microsoft.com/office/powerpoint/2010/main" val="2796524740"/>
-      </p:ext>
-    </p:extLst>
-  </p:cSld>
-  <p:clrMapOvr>
-    <a:masterClrMapping/>
-  </p:clrMapOvr>
-</p:sld>
-</file>
-
-<file path=ppt/slides/slide14.xml><?xml version="1.0" encoding="utf-8"?>
-<p:sld xmlns:a="http://schemas.openxmlformats.org/drawingml/2006/main" xmlns:r="http://schemas.openxmlformats.org/officeDocument/2006/relationships" xmlns:p="http://schemas.openxmlformats.org/presentationml/2006/main">
-  <p:cSld>
-    <p:spTree>
-      <p:nvGrpSpPr>
-        <p:cNvPr id="1" name=""/>
-        <p:cNvGrpSpPr/>
-        <p:nvPr/>
-      </p:nvGrpSpPr>
-      <p:grpSpPr>
-        <a:xfrm>
-          <a:off x="0" y="0"/>
-          <a:ext cx="0" cy="0"/>
-          <a:chOff x="0" y="0"/>
-          <a:chExt cx="0" cy="0"/>
-        </a:xfrm>
-      </p:grpSpPr>
-      <p:sp>
-        <p:nvSpPr>
-          <p:cNvPr id="2" name="タイトル 1"/>
-          <p:cNvSpPr>
-            <a:spLocks noGrp="1"/>
-          </p:cNvSpPr>
-          <p:nvPr>
-            <p:ph type="title"/>
-          </p:nvPr>
-        </p:nvSpPr>
-        <p:spPr/>
-        <p:txBody>
-          <a:bodyPr/>
-          <a:lstStyle/>
-          <a:p>
-            <a:r>
-              <a:rPr lang="ja-JP" altLang="en-US" dirty="0"/>
-              <a:t>出典</a:t>
-            </a:r>
-            <a:endParaRPr kumimoji="1" lang="ja-JP" altLang="en-US" dirty="0"/>
-          </a:p>
-        </p:txBody>
-      </p:sp>
-      <p:sp>
-        <p:nvSpPr>
-          <p:cNvPr id="3" name="コンテンツ プレースホルダー 2"/>
-          <p:cNvSpPr>
-            <a:spLocks noGrp="1"/>
-          </p:cNvSpPr>
-          <p:nvPr>
-            <p:ph idx="1"/>
-          </p:nvPr>
-        </p:nvSpPr>
-        <p:spPr/>
-        <p:txBody>
-          <a:bodyPr/>
-          <a:lstStyle/>
-          <a:p>
-            <a:r>
-              <a:rPr lang="ja-JP" altLang="en-US" dirty="0"/>
-              <a:t>機械学習 </a:t>
-            </a:r>
-            <a:r>
-              <a:rPr lang="en-US" altLang="ja-JP" dirty="0"/>
-              <a:t>〜 </a:t>
-            </a:r>
-            <a:r>
-              <a:rPr lang="ja-JP" altLang="en-US" dirty="0"/>
-              <a:t>線形モデル（回帰） </a:t>
-            </a:r>
-            <a:r>
-              <a:rPr lang="en-US" altLang="ja-JP" dirty="0" smtClean="0"/>
-              <a:t>〜</a:t>
-            </a:r>
-          </a:p>
-          <a:p>
-            <a:pPr lvl="1"/>
-            <a:r>
-              <a:rPr lang="en-US" altLang="ja-JP" dirty="0" smtClean="0">
-                <a:hlinkClick r:id="rId2"/>
-              </a:rPr>
-              <a:t>https</a:t>
-            </a:r>
-            <a:r>
-              <a:rPr lang="en-US" altLang="ja-JP" dirty="0">
-                <a:hlinkClick r:id="rId2"/>
-              </a:rPr>
-              <a:t>://</a:t>
-            </a:r>
-            <a:r>
-              <a:rPr lang="en-US" altLang="ja-JP" dirty="0" smtClean="0">
-                <a:hlinkClick r:id="rId2"/>
-              </a:rPr>
-              <a:t>qiita.com/fujin/items/7f0a7b6fc8fb662f510d</a:t>
-            </a:r>
-            <a:endParaRPr lang="en-US" altLang="ja-JP" dirty="0"/>
-          </a:p>
-          <a:p>
-            <a:r>
-              <a:rPr lang="en-US" altLang="ja-JP" dirty="0"/>
-              <a:t>Lasso </a:t>
-            </a:r>
-            <a:r>
-              <a:rPr lang="en-US" altLang="ja-JP" dirty="0" err="1"/>
-              <a:t>Regressor</a:t>
-            </a:r>
-            <a:r>
-              <a:rPr lang="ja-JP" altLang="en-US" dirty="0"/>
-              <a:t>（回帰分析）</a:t>
-            </a:r>
-            <a:r>
-              <a:rPr lang="en-US" altLang="ja-JP" dirty="0"/>
-              <a:t>【Python</a:t>
-            </a:r>
-            <a:r>
-              <a:rPr lang="ja-JP" altLang="en-US" dirty="0"/>
-              <a:t>と</a:t>
-            </a:r>
-            <a:r>
-              <a:rPr lang="en-US" altLang="ja-JP" dirty="0" err="1"/>
-              <a:t>scikit</a:t>
-            </a:r>
-            <a:r>
-              <a:rPr lang="en-US" altLang="ja-JP" dirty="0"/>
-              <a:t>-learn</a:t>
-            </a:r>
-            <a:r>
-              <a:rPr lang="ja-JP" altLang="en-US" dirty="0"/>
-              <a:t>で機械学習：第</a:t>
-            </a:r>
-            <a:r>
-              <a:rPr lang="en-US" altLang="ja-JP" dirty="0"/>
-              <a:t>15</a:t>
-            </a:r>
-            <a:r>
-              <a:rPr lang="ja-JP" altLang="en-US" dirty="0"/>
-              <a:t>回</a:t>
-            </a:r>
-            <a:r>
-              <a:rPr lang="en-US" altLang="ja-JP" dirty="0" smtClean="0"/>
-              <a:t>】</a:t>
-            </a:r>
-            <a:endParaRPr lang="en-US" altLang="ja-JP" dirty="0"/>
-          </a:p>
-          <a:p>
-            <a:pPr lvl="1"/>
-            <a:r>
-              <a:rPr lang="en-US" altLang="ja-JP" dirty="0">
-                <a:hlinkClick r:id="rId3"/>
-              </a:rPr>
-              <a:t>http://neuro-educator.com/ml15</a:t>
-            </a:r>
-            <a:r>
-              <a:rPr lang="en-US" altLang="ja-JP" dirty="0" smtClean="0">
-                <a:hlinkClick r:id="rId3"/>
-              </a:rPr>
-              <a:t>/</a:t>
-            </a:r>
-            <a:endParaRPr lang="en-US" altLang="ja-JP" dirty="0"/>
-          </a:p>
-          <a:p>
-            <a:r>
-              <a:rPr lang="ja-JP" altLang="en-US" dirty="0"/>
-              <a:t>不動産価格を機械学習で予測する</a:t>
-            </a:r>
-            <a:r>
-              <a:rPr lang="en-US" altLang="ja-JP" dirty="0" err="1"/>
-              <a:t>Kaggle</a:t>
-            </a:r>
-            <a:r>
-              <a:rPr lang="ja-JP" altLang="en-US" dirty="0"/>
-              <a:t>に挑戦する </a:t>
-            </a:r>
-            <a:r>
-              <a:rPr lang="en-US" altLang="ja-JP" dirty="0"/>
-              <a:t>[</a:t>
-            </a:r>
-            <a:r>
-              <a:rPr lang="ja-JP" altLang="en-US" dirty="0"/>
-              <a:t>発展編</a:t>
-            </a:r>
-            <a:r>
-              <a:rPr lang="en-US" altLang="ja-JP" dirty="0"/>
-              <a:t>2:</a:t>
-            </a:r>
-            <a:r>
-              <a:rPr lang="ja-JP" altLang="en-US" dirty="0"/>
-              <a:t>上位</a:t>
-            </a:r>
-            <a:r>
-              <a:rPr lang="en-US" altLang="ja-JP" dirty="0"/>
-              <a:t>3%]</a:t>
-            </a:r>
-          </a:p>
-          <a:p>
-            <a:pPr lvl="1"/>
-            <a:r>
-              <a:rPr lang="en-US" altLang="ja-JP" dirty="0">
-                <a:hlinkClick r:id="rId2"/>
-              </a:rPr>
-              <a:t>https://</a:t>
-            </a:r>
-            <a:r>
-              <a:rPr lang="en-US" altLang="ja-JP" dirty="0" smtClean="0">
-                <a:hlinkClick r:id="rId2"/>
-              </a:rPr>
-              <a:t>qiita.com/fujin/items/7f0a7b6fc8fb662f510d</a:t>
-            </a:r>
-            <a:endParaRPr lang="en-US" altLang="ja-JP" dirty="0" smtClean="0"/>
-          </a:p>
-          <a:p>
-            <a:pPr lvl="1"/>
-            <a:endParaRPr lang="en-US" altLang="ja-JP" dirty="0"/>
-          </a:p>
-          <a:p>
-            <a:endParaRPr kumimoji="1" lang="ja-JP" altLang="en-US" dirty="0"/>
-          </a:p>
-        </p:txBody>
-      </p:sp>
-      <p:sp>
-        <p:nvSpPr>
-          <p:cNvPr id="4" name="スライド番号プレースホルダー 3"/>
-          <p:cNvSpPr>
-            <a:spLocks noGrp="1"/>
-          </p:cNvSpPr>
-          <p:nvPr>
-            <p:ph type="sldNum" sz="quarter" idx="12"/>
-          </p:nvPr>
-        </p:nvSpPr>
-        <p:spPr/>
-        <p:txBody>
-          <a:bodyPr/>
-          <a:lstStyle/>
-          <a:p>
-            <a:fld id="{D2D8002D-B5B0-4BAC-B1F6-782DDCCE6D9C}" type="slidenum">
-              <a:rPr kumimoji="1" lang="ja-JP" altLang="en-US" smtClean="0"/>
-              <a:t>14</a:t>
-            </a:fld>
-            <a:endParaRPr kumimoji="1" lang="ja-JP" altLang="en-US"/>
-          </a:p>
-        </p:txBody>
-      </p:sp>
-    </p:spTree>
-    <p:extLst>
-      <p:ext uri="{BB962C8B-B14F-4D97-AF65-F5344CB8AC3E}">
-        <p14:creationId xmlns:p14="http://schemas.microsoft.com/office/powerpoint/2010/main" val="621174911"/>
       </p:ext>
     </p:extLst>
   </p:cSld>
@@ -5066,8 +5324,8 @@
           <a:lstStyle/>
           <a:p>
             <a:r>
-              <a:rPr kumimoji="1" lang="ja-JP" altLang="en-US" dirty="0" smtClean="0"/>
-              <a:t>関連するパターン</a:t>
+              <a:rPr lang="ja-JP" altLang="en-US" dirty="0"/>
+              <a:t>出典</a:t>
             </a:r>
             <a:endParaRPr kumimoji="1" lang="ja-JP" altLang="en-US" dirty="0"/>
           </a:p>
@@ -5089,83 +5347,162 @@
           <a:lstStyle/>
           <a:p>
             <a:r>
-              <a:rPr kumimoji="1" lang="en-US" altLang="ja-JP" dirty="0" smtClean="0"/>
-              <a:t>Ridge</a:t>
+              <a:rPr lang="ja-JP" altLang="en-US" dirty="0"/>
+              <a:t>機械学習 </a:t>
+            </a:r>
+            <a:r>
+              <a:rPr lang="en-US" altLang="ja-JP" dirty="0"/>
+              <a:t>〜 </a:t>
+            </a:r>
+            <a:r>
+              <a:rPr lang="ja-JP" altLang="en-US" dirty="0"/>
+              <a:t>線形モデル（回帰） </a:t>
+            </a:r>
+            <a:r>
+              <a:rPr lang="en-US" altLang="ja-JP" dirty="0" smtClean="0"/>
+              <a:t>〜</a:t>
             </a:r>
           </a:p>
           <a:p>
             <a:pPr lvl="1"/>
             <a:r>
+              <a:rPr lang="en-US" altLang="ja-JP" dirty="0" smtClean="0">
+                <a:hlinkClick r:id="rId2"/>
+              </a:rPr>
+              <a:t>https</a:t>
+            </a:r>
+            <a:r>
+              <a:rPr lang="en-US" altLang="ja-JP" dirty="0">
+                <a:hlinkClick r:id="rId2"/>
+              </a:rPr>
+              <a:t>://</a:t>
+            </a:r>
+            <a:r>
+              <a:rPr lang="en-US" altLang="ja-JP" dirty="0" smtClean="0">
+                <a:hlinkClick r:id="rId2"/>
+              </a:rPr>
+              <a:t>qiita.com/fujin/items/7f0a7b6fc8fb662f510d</a:t>
+            </a:r>
+            <a:endParaRPr lang="en-US" altLang="ja-JP" dirty="0"/>
+          </a:p>
+          <a:p>
+            <a:r>
+              <a:rPr lang="en-US" altLang="ja-JP" dirty="0"/>
+              <a:t>Lasso </a:t>
+            </a:r>
+            <a:r>
+              <a:rPr lang="en-US" altLang="ja-JP" dirty="0" err="1"/>
+              <a:t>Regressor</a:t>
+            </a:r>
+            <a:r>
+              <a:rPr lang="ja-JP" altLang="en-US" dirty="0"/>
+              <a:t>（回帰分析）</a:t>
+            </a:r>
+            <a:r>
+              <a:rPr lang="en-US" altLang="ja-JP" dirty="0"/>
+              <a:t>【Python</a:t>
+            </a:r>
+            <a:r>
+              <a:rPr lang="ja-JP" altLang="en-US" dirty="0"/>
+              <a:t>と</a:t>
+            </a:r>
+            <a:r>
+              <a:rPr lang="en-US" altLang="ja-JP" dirty="0" err="1"/>
+              <a:t>scikit</a:t>
+            </a:r>
+            <a:r>
+              <a:rPr lang="en-US" altLang="ja-JP" dirty="0"/>
+              <a:t>-learn</a:t>
+            </a:r>
+            <a:r>
+              <a:rPr lang="ja-JP" altLang="en-US" dirty="0"/>
+              <a:t>で機械学習：第</a:t>
+            </a:r>
+            <a:r>
+              <a:rPr lang="en-US" altLang="ja-JP" dirty="0"/>
+              <a:t>15</a:t>
+            </a:r>
+            <a:r>
+              <a:rPr lang="ja-JP" altLang="en-US" dirty="0"/>
+              <a:t>回</a:t>
+            </a:r>
+            <a:r>
               <a:rPr lang="en-US" altLang="ja-JP" dirty="0" smtClean="0"/>
-              <a:t>Lasso</a:t>
-            </a:r>
-            <a:r>
-              <a:rPr lang="ja-JP" altLang="en-US" dirty="0" smtClean="0"/>
-              <a:t>と同じ回帰分析</a:t>
+              <a:t>】</a:t>
+            </a:r>
+            <a:endParaRPr lang="en-US" altLang="ja-JP" dirty="0"/>
+          </a:p>
+          <a:p>
+            <a:pPr lvl="1"/>
+            <a:r>
+              <a:rPr lang="en-US" altLang="ja-JP" dirty="0">
+                <a:hlinkClick r:id="rId3"/>
+              </a:rPr>
+              <a:t>http://neuro-educator.com/ml15</a:t>
+            </a:r>
+            <a:r>
+              <a:rPr lang="en-US" altLang="ja-JP" dirty="0" smtClean="0">
+                <a:hlinkClick r:id="rId3"/>
+              </a:rPr>
+              <a:t>/</a:t>
+            </a:r>
+            <a:endParaRPr lang="en-US" altLang="ja-JP" dirty="0"/>
+          </a:p>
+          <a:p>
+            <a:r>
+              <a:rPr lang="ja-JP" altLang="en-US" dirty="0"/>
+              <a:t>不動産価格を機械学習で予測する</a:t>
+            </a:r>
+            <a:r>
+              <a:rPr lang="en-US" altLang="ja-JP" dirty="0" err="1"/>
+              <a:t>Kaggle</a:t>
+            </a:r>
+            <a:r>
+              <a:rPr lang="ja-JP" altLang="en-US" dirty="0"/>
+              <a:t>に挑戦する </a:t>
+            </a:r>
+            <a:r>
+              <a:rPr lang="en-US" altLang="ja-JP" dirty="0"/>
+              <a:t>[</a:t>
+            </a:r>
+            <a:r>
+              <a:rPr lang="ja-JP" altLang="en-US" dirty="0"/>
+              <a:t>発展編</a:t>
+            </a:r>
+            <a:r>
+              <a:rPr lang="en-US" altLang="ja-JP" dirty="0"/>
+              <a:t>2:</a:t>
+            </a:r>
+            <a:r>
+              <a:rPr lang="ja-JP" altLang="en-US" dirty="0"/>
+              <a:t>上位</a:t>
+            </a:r>
+            <a:r>
+              <a:rPr lang="en-US" altLang="ja-JP" dirty="0"/>
+              <a:t>3%]</a:t>
+            </a:r>
+          </a:p>
+          <a:p>
+            <a:pPr lvl="1"/>
+            <a:r>
+              <a:rPr lang="en-US" altLang="ja-JP" dirty="0">
+                <a:hlinkClick r:id="rId2"/>
+              </a:rPr>
+              <a:t>https://</a:t>
+            </a:r>
+            <a:r>
+              <a:rPr lang="en-US" altLang="ja-JP" dirty="0" smtClean="0">
+                <a:hlinkClick r:id="rId2"/>
+              </a:rPr>
+              <a:t>qiita.com/fujin/items/7f0a7b6fc8fb662f510d</a:t>
             </a:r>
             <a:endParaRPr lang="en-US" altLang="ja-JP" dirty="0" smtClean="0"/>
-          </a:p>
-          <a:p>
-            <a:pPr lvl="1"/>
-            <a:r>
-              <a:rPr kumimoji="1" lang="en-US" altLang="ja-JP" dirty="0" smtClean="0"/>
-              <a:t>Lasso</a:t>
-            </a:r>
-            <a:r>
-              <a:rPr kumimoji="1" lang="ja-JP" altLang="en-US" dirty="0" smtClean="0"/>
-              <a:t>が</a:t>
-            </a:r>
-            <a:r>
-              <a:rPr kumimoji="1" lang="en-US" altLang="ja-JP" dirty="0" smtClean="0"/>
-              <a:t>L1</a:t>
-            </a:r>
-            <a:r>
-              <a:rPr kumimoji="1" lang="ja-JP" altLang="en-US" dirty="0" smtClean="0"/>
-              <a:t>正則化に対して</a:t>
-            </a:r>
-            <a:r>
-              <a:rPr kumimoji="1" lang="en-US" altLang="ja-JP" dirty="0" smtClean="0"/>
-              <a:t>Ridge</a:t>
-            </a:r>
-            <a:r>
-              <a:rPr kumimoji="1" lang="ja-JP" altLang="en-US" dirty="0" smtClean="0"/>
-              <a:t>は</a:t>
-            </a:r>
-            <a:r>
-              <a:rPr kumimoji="1" lang="en-US" altLang="ja-JP" dirty="0" smtClean="0"/>
-              <a:t>L2</a:t>
-            </a:r>
-            <a:r>
-              <a:rPr kumimoji="1" lang="ja-JP" altLang="en-US" dirty="0" smtClean="0"/>
-              <a:t>正則化</a:t>
-            </a:r>
-            <a:endParaRPr kumimoji="1" lang="en-US" altLang="ja-JP" dirty="0" smtClean="0"/>
           </a:p>
           <a:p>
             <a:pPr lvl="1"/>
             <a:endParaRPr lang="en-US" altLang="ja-JP" dirty="0"/>
           </a:p>
           <a:p>
-            <a:r>
-              <a:rPr kumimoji="1" lang="en-US" altLang="ja-JP" dirty="0" err="1" smtClean="0"/>
-              <a:t>XGBoost</a:t>
-            </a:r>
-            <a:endParaRPr kumimoji="1" lang="en-US" altLang="ja-JP" dirty="0" smtClean="0"/>
-          </a:p>
-          <a:p>
-            <a:pPr lvl="1"/>
-            <a:r>
-              <a:rPr lang="ja-JP" altLang="en-US" dirty="0" smtClean="0"/>
-              <a:t>よく</a:t>
-            </a:r>
-            <a:r>
-              <a:rPr lang="en-US" altLang="ja-JP" dirty="0" smtClean="0"/>
-              <a:t>Lasso</a:t>
-            </a:r>
-            <a:r>
-              <a:rPr lang="ja-JP" altLang="en-US" dirty="0" smtClean="0"/>
-              <a:t>とアンサンブルをとる</a:t>
-            </a:r>
             <a:endParaRPr kumimoji="1" lang="ja-JP" altLang="en-US" dirty="0"/>
           </a:p>
         </p:txBody>
@@ -5188,6 +5525,179 @@
             <a:fld id="{D2D8002D-B5B0-4BAC-B1F6-782DDCCE6D9C}" type="slidenum">
               <a:rPr kumimoji="1" lang="ja-JP" altLang="en-US" smtClean="0"/>
               <a:t>15</a:t>
+            </a:fld>
+            <a:endParaRPr kumimoji="1" lang="ja-JP" altLang="en-US"/>
+          </a:p>
+        </p:txBody>
+      </p:sp>
+    </p:spTree>
+    <p:extLst>
+      <p:ext uri="{BB962C8B-B14F-4D97-AF65-F5344CB8AC3E}">
+        <p14:creationId xmlns:p14="http://schemas.microsoft.com/office/powerpoint/2010/main" val="621174911"/>
+      </p:ext>
+    </p:extLst>
+  </p:cSld>
+  <p:clrMapOvr>
+    <a:masterClrMapping/>
+  </p:clrMapOvr>
+</p:sld>
+</file>
+
+<file path=ppt/slides/slide16.xml><?xml version="1.0" encoding="utf-8"?>
+<p:sld xmlns:a="http://schemas.openxmlformats.org/drawingml/2006/main" xmlns:r="http://schemas.openxmlformats.org/officeDocument/2006/relationships" xmlns:p="http://schemas.openxmlformats.org/presentationml/2006/main">
+  <p:cSld>
+    <p:spTree>
+      <p:nvGrpSpPr>
+        <p:cNvPr id="1" name=""/>
+        <p:cNvGrpSpPr/>
+        <p:nvPr/>
+      </p:nvGrpSpPr>
+      <p:grpSpPr>
+        <a:xfrm>
+          <a:off x="0" y="0"/>
+          <a:ext cx="0" cy="0"/>
+          <a:chOff x="0" y="0"/>
+          <a:chExt cx="0" cy="0"/>
+        </a:xfrm>
+      </p:grpSpPr>
+      <p:sp>
+        <p:nvSpPr>
+          <p:cNvPr id="2" name="タイトル 1"/>
+          <p:cNvSpPr>
+            <a:spLocks noGrp="1"/>
+          </p:cNvSpPr>
+          <p:nvPr>
+            <p:ph type="title"/>
+          </p:nvPr>
+        </p:nvSpPr>
+        <p:spPr/>
+        <p:txBody>
+          <a:bodyPr/>
+          <a:lstStyle/>
+          <a:p>
+            <a:r>
+              <a:rPr kumimoji="1" lang="ja-JP" altLang="en-US" dirty="0" smtClean="0"/>
+              <a:t>関連するパターン</a:t>
+            </a:r>
+            <a:endParaRPr kumimoji="1" lang="ja-JP" altLang="en-US" dirty="0"/>
+          </a:p>
+        </p:txBody>
+      </p:sp>
+      <p:sp>
+        <p:nvSpPr>
+          <p:cNvPr id="3" name="コンテンツ プレースホルダー 2"/>
+          <p:cNvSpPr>
+            <a:spLocks noGrp="1"/>
+          </p:cNvSpPr>
+          <p:nvPr>
+            <p:ph idx="1"/>
+          </p:nvPr>
+        </p:nvSpPr>
+        <p:spPr/>
+        <p:txBody>
+          <a:bodyPr/>
+          <a:lstStyle/>
+          <a:p>
+            <a:r>
+              <a:rPr kumimoji="1" lang="en-US" altLang="ja-JP" dirty="0" smtClean="0"/>
+              <a:t>Ridge</a:t>
+            </a:r>
+          </a:p>
+          <a:p>
+            <a:pPr lvl="1"/>
+            <a:r>
+              <a:rPr lang="en-US" altLang="ja-JP" dirty="0" smtClean="0"/>
+              <a:t>Lasso</a:t>
+            </a:r>
+            <a:r>
+              <a:rPr lang="ja-JP" altLang="en-US" dirty="0" smtClean="0"/>
+              <a:t>と同じ回帰分析</a:t>
+            </a:r>
+            <a:endParaRPr lang="en-US" altLang="ja-JP" dirty="0" smtClean="0"/>
+          </a:p>
+          <a:p>
+            <a:pPr lvl="1"/>
+            <a:r>
+              <a:rPr kumimoji="1" lang="en-US" altLang="ja-JP" dirty="0" smtClean="0"/>
+              <a:t>Lasso</a:t>
+            </a:r>
+            <a:r>
+              <a:rPr kumimoji="1" lang="ja-JP" altLang="en-US" dirty="0" smtClean="0"/>
+              <a:t>が</a:t>
+            </a:r>
+            <a:r>
+              <a:rPr kumimoji="1" lang="en-US" altLang="ja-JP" dirty="0" smtClean="0"/>
+              <a:t>L1</a:t>
+            </a:r>
+            <a:r>
+              <a:rPr kumimoji="1" lang="ja-JP" altLang="en-US" dirty="0" smtClean="0"/>
+              <a:t>正則化に対して</a:t>
+            </a:r>
+            <a:r>
+              <a:rPr kumimoji="1" lang="en-US" altLang="ja-JP" dirty="0" smtClean="0"/>
+              <a:t>Ridge</a:t>
+            </a:r>
+            <a:r>
+              <a:rPr kumimoji="1" lang="ja-JP" altLang="en-US" dirty="0" smtClean="0"/>
+              <a:t>は</a:t>
+            </a:r>
+            <a:r>
+              <a:rPr kumimoji="1" lang="en-US" altLang="ja-JP" dirty="0" smtClean="0"/>
+              <a:t>L2</a:t>
+            </a:r>
+            <a:r>
+              <a:rPr kumimoji="1" lang="ja-JP" altLang="en-US" dirty="0" smtClean="0"/>
+              <a:t>正則化</a:t>
+            </a:r>
+            <a:endParaRPr kumimoji="1" lang="en-US" altLang="ja-JP" dirty="0" smtClean="0"/>
+          </a:p>
+          <a:p>
+            <a:pPr lvl="1"/>
+            <a:endParaRPr lang="en-US" altLang="ja-JP" dirty="0"/>
+          </a:p>
+          <a:p>
+            <a:r>
+              <a:rPr kumimoji="1" lang="en-US" altLang="ja-JP" dirty="0" err="1" smtClean="0"/>
+              <a:t>XGBoost</a:t>
+            </a:r>
+            <a:endParaRPr kumimoji="1" lang="en-US" altLang="ja-JP" dirty="0" smtClean="0"/>
+          </a:p>
+          <a:p>
+            <a:pPr lvl="1"/>
+            <a:r>
+              <a:rPr lang="ja-JP" altLang="en-US" dirty="0" smtClean="0"/>
+              <a:t>よく</a:t>
+            </a:r>
+            <a:r>
+              <a:rPr lang="en-US" altLang="ja-JP" dirty="0" smtClean="0"/>
+              <a:t>Lasso</a:t>
+            </a:r>
+            <a:r>
+              <a:rPr lang="ja-JP" altLang="en-US" dirty="0" smtClean="0"/>
+              <a:t>とアンサンブルをとる</a:t>
+            </a:r>
+            <a:endParaRPr kumimoji="1" lang="ja-JP" altLang="en-US" dirty="0"/>
+          </a:p>
+        </p:txBody>
+      </p:sp>
+      <p:sp>
+        <p:nvSpPr>
+          <p:cNvPr id="4" name="スライド番号プレースホルダー 3"/>
+          <p:cNvSpPr>
+            <a:spLocks noGrp="1"/>
+          </p:cNvSpPr>
+          <p:nvPr>
+            <p:ph type="sldNum" sz="quarter" idx="12"/>
+          </p:nvPr>
+        </p:nvSpPr>
+        <p:spPr/>
+        <p:txBody>
+          <a:bodyPr/>
+          <a:lstStyle/>
+          <a:p>
+            <a:fld id="{D2D8002D-B5B0-4BAC-B1F6-782DDCCE6D9C}" type="slidenum">
+              <a:rPr kumimoji="1" lang="ja-JP" altLang="en-US" smtClean="0"/>
+              <a:t>16</a:t>
             </a:fld>
             <a:endParaRPr kumimoji="1" lang="ja-JP" altLang="en-US"/>
           </a:p>
@@ -5620,6 +6130,44 @@
           <a:lstStyle/>
           <a:p>
             <a:r>
+              <a:rPr lang="ja-JP" altLang="en-US" b="1" dirty="0">
+                <a:solidFill>
+                  <a:srgbClr val="FF0000"/>
+                </a:solidFill>
+              </a:rPr>
+              <a:t>目的変数が一山のもの</a:t>
+            </a:r>
+            <a:endParaRPr lang="en-US" altLang="ja-JP" b="1" dirty="0">
+              <a:solidFill>
+                <a:srgbClr val="FF0000"/>
+              </a:solidFill>
+            </a:endParaRPr>
+          </a:p>
+          <a:p>
+            <a:pPr lvl="1"/>
+            <a:r>
+              <a:rPr lang="ja-JP" altLang="en-US" b="1" dirty="0">
+                <a:solidFill>
+                  <a:srgbClr val="FF0000"/>
+                </a:solidFill>
+              </a:rPr>
+              <a:t>ふた山はあきらめましょう</a:t>
+            </a:r>
+          </a:p>
+          <a:p>
+            <a:endParaRPr lang="en-US" altLang="ja-JP" dirty="0" smtClean="0"/>
+          </a:p>
+          <a:p>
+            <a:endParaRPr lang="en-US" altLang="ja-JP" dirty="0" smtClean="0"/>
+          </a:p>
+          <a:p>
+            <a:endParaRPr lang="en-US" altLang="ja-JP" dirty="0"/>
+          </a:p>
+          <a:p>
+            <a:endParaRPr lang="en-US" altLang="ja-JP" dirty="0"/>
+          </a:p>
+          <a:p>
+            <a:r>
               <a:rPr lang="ja-JP" altLang="en-US" dirty="0" smtClean="0"/>
               <a:t>特徴量</a:t>
             </a:r>
@@ -5678,7 +6226,11 @@
               <a:rPr lang="ja-JP" altLang="en-US" dirty="0" smtClean="0"/>
               <a:t>不動産価格</a:t>
             </a:r>
-            <a:endParaRPr lang="ja-JP" altLang="en-US" dirty="0"/>
+            <a:endParaRPr lang="en-US" altLang="ja-JP" dirty="0" smtClean="0"/>
+          </a:p>
+          <a:p>
+            <a:pPr lvl="1"/>
+            <a:endParaRPr lang="en-US" altLang="ja-JP" dirty="0"/>
           </a:p>
         </p:txBody>
       </p:sp>
@@ -5702,6 +6254,174 @@
               <a:t>4</a:t>
             </a:fld>
             <a:endParaRPr kumimoji="1" lang="ja-JP" altLang="en-US"/>
+          </a:p>
+        </p:txBody>
+      </p:sp>
+      <p:pic>
+        <p:nvPicPr>
+          <p:cNvPr id="5" name="図 4"/>
+          <p:cNvPicPr>
+            <a:picLocks noChangeAspect="1"/>
+          </p:cNvPicPr>
+          <p:nvPr/>
+        </p:nvPicPr>
+        <p:blipFill>
+          <a:blip r:embed="rId2">
+            <a:extLst>
+              <a:ext uri="{28A0092B-C50C-407E-A947-70E740481C1C}">
+                <a14:useLocalDpi xmlns:a14="http://schemas.microsoft.com/office/drawing/2010/main" val="0"/>
+              </a:ext>
+            </a:extLst>
+          </a:blip>
+          <a:stretch>
+            <a:fillRect/>
+          </a:stretch>
+        </p:blipFill>
+        <p:spPr>
+          <a:xfrm>
+            <a:off x="1055727" y="2420888"/>
+            <a:ext cx="2304256" cy="1566323"/>
+          </a:xfrm>
+          <a:prstGeom prst="rect">
+            <a:avLst/>
+          </a:prstGeom>
+        </p:spPr>
+      </p:pic>
+      <p:pic>
+        <p:nvPicPr>
+          <p:cNvPr id="6" name="Picture 2"/>
+          <p:cNvPicPr>
+            <a:picLocks noChangeAspect="1" noChangeArrowheads="1"/>
+          </p:cNvPicPr>
+          <p:nvPr/>
+        </p:nvPicPr>
+        <p:blipFill rotWithShape="1">
+          <a:blip r:embed="rId3" cstate="print">
+            <a:extLst>
+              <a:ext uri="{28A0092B-C50C-407E-A947-70E740481C1C}">
+                <a14:useLocalDpi xmlns:a14="http://schemas.microsoft.com/office/drawing/2010/main" val="0"/>
+              </a:ext>
+            </a:extLst>
+          </a:blip>
+          <a:srcRect l="8491" t="4436" r="2886" b="8180"/>
+          <a:stretch/>
+        </p:blipFill>
+        <p:spPr bwMode="auto">
+          <a:xfrm>
+            <a:off x="4736909" y="2451784"/>
+            <a:ext cx="2304256" cy="1504530"/>
+          </a:xfrm>
+          <a:prstGeom prst="rect">
+            <a:avLst/>
+          </a:prstGeom>
+          <a:noFill/>
+          <a:ln>
+            <a:noFill/>
+          </a:ln>
+          <a:extLst>
+            <a:ext uri="{909E8E84-426E-40DD-AFC4-6F175D3DCCD1}">
+              <a14:hiddenFill xmlns:a14="http://schemas.microsoft.com/office/drawing/2010/main">
+                <a:solidFill>
+                  <a:schemeClr val="accent1"/>
+                </a:solidFill>
+              </a14:hiddenFill>
+            </a:ext>
+            <a:ext uri="{91240B29-F687-4F45-9708-019B960494DF}">
+              <a14:hiddenLine xmlns:a14="http://schemas.microsoft.com/office/drawing/2010/main" w="9525">
+                <a:solidFill>
+                  <a:schemeClr val="tx1"/>
+                </a:solidFill>
+                <a:miter lim="800000"/>
+                <a:headEnd/>
+                <a:tailEnd/>
+              </a14:hiddenLine>
+            </a:ext>
+          </a:extLst>
+        </p:spPr>
+      </p:pic>
+      <p:sp>
+        <p:nvSpPr>
+          <p:cNvPr id="7" name="乗算記号 6"/>
+          <p:cNvSpPr/>
+          <p:nvPr/>
+        </p:nvSpPr>
+        <p:spPr>
+          <a:xfrm>
+            <a:off x="701518" y="2087925"/>
+            <a:ext cx="2952328" cy="2232248"/>
+          </a:xfrm>
+          <a:prstGeom prst="mathMultiply">
+            <a:avLst/>
+          </a:prstGeom>
+          <a:solidFill>
+            <a:srgbClr val="FFC000">
+              <a:alpha val="27000"/>
+            </a:srgbClr>
+          </a:solidFill>
+        </p:spPr>
+        <p:style>
+          <a:lnRef idx="2">
+            <a:schemeClr val="dk1"/>
+          </a:lnRef>
+          <a:fillRef idx="1">
+            <a:schemeClr val="lt1"/>
+          </a:fillRef>
+          <a:effectRef idx="0">
+            <a:schemeClr val="dk1"/>
+          </a:effectRef>
+          <a:fontRef idx="minor">
+            <a:schemeClr val="dk1"/>
+          </a:fontRef>
+        </p:style>
+        <p:txBody>
+          <a:bodyPr rtlCol="0" anchor="ctr"/>
+          <a:lstStyle/>
+          <a:p>
+            <a:pPr algn="ctr"/>
+            <a:endParaRPr kumimoji="1" lang="ja-JP" altLang="en-US" dirty="0" smtClean="0"/>
+          </a:p>
+        </p:txBody>
+      </p:sp>
+      <p:sp>
+        <p:nvSpPr>
+          <p:cNvPr id="8" name="ドーナツ 7"/>
+          <p:cNvSpPr/>
+          <p:nvPr/>
+        </p:nvSpPr>
+        <p:spPr>
+          <a:xfrm>
+            <a:off x="4644008" y="2055927"/>
+            <a:ext cx="2160240" cy="2043301"/>
+          </a:xfrm>
+          <a:prstGeom prst="donut">
+            <a:avLst/>
+          </a:prstGeom>
+          <a:solidFill>
+            <a:srgbClr val="FFC000">
+              <a:alpha val="27000"/>
+            </a:srgbClr>
+          </a:solidFill>
+        </p:spPr>
+        <p:style>
+          <a:lnRef idx="2">
+            <a:schemeClr val="dk1"/>
+          </a:lnRef>
+          <a:fillRef idx="1">
+            <a:schemeClr val="lt1"/>
+          </a:fillRef>
+          <a:effectRef idx="0">
+            <a:schemeClr val="dk1"/>
+          </a:effectRef>
+          <a:fontRef idx="minor">
+            <a:schemeClr val="dk1"/>
+          </a:fontRef>
+        </p:style>
+        <p:txBody>
+          <a:bodyPr rtlCol="0" anchor="ctr"/>
+          <a:lstStyle/>
+          <a:p>
+            <a:pPr algn="ctr"/>
+            <a:endParaRPr lang="ja-JP" altLang="en-US" dirty="0"/>
           </a:p>
         </p:txBody>
       </p:sp>
@@ -6725,7 +7445,7 @@
         </p:nvSpPr>
         <p:spPr>
           <a:xfrm>
-            <a:off x="1403648" y="2316773"/>
+            <a:off x="1403648" y="2060848"/>
             <a:ext cx="6408712" cy="432048"/>
           </a:xfrm>
           <a:prstGeom prst="flowChartProcess">
@@ -6775,7 +7495,7 @@
         </p:nvSpPr>
         <p:spPr>
           <a:xfrm>
-            <a:off x="1403648" y="3292778"/>
+            <a:off x="1403648" y="2852936"/>
             <a:ext cx="6408712" cy="432048"/>
           </a:xfrm>
           <a:prstGeom prst="flowChartProcess">
@@ -6825,7 +7545,7 @@
         </p:nvSpPr>
         <p:spPr>
           <a:xfrm>
-            <a:off x="1403648" y="4268782"/>
+            <a:off x="1403648" y="3573016"/>
             <a:ext cx="6408712" cy="432048"/>
           </a:xfrm>
           <a:prstGeom prst="flowChartProcess">
@@ -6879,7 +7599,7 @@
         </p:nvSpPr>
         <p:spPr>
           <a:xfrm>
-            <a:off x="3521841" y="5244786"/>
+            <a:off x="5868144" y="6261043"/>
             <a:ext cx="2172326" cy="432048"/>
           </a:xfrm>
           <a:prstGeom prst="flowChartAlternateProcess">
@@ -6925,7 +7645,7 @@
         <p:spPr>
           <a:xfrm>
             <a:off x="4608004" y="1772816"/>
-            <a:ext cx="0" cy="543957"/>
+            <a:ext cx="0" cy="288032"/>
           </a:xfrm>
           <a:prstGeom prst="straightConnector1">
             <a:avLst/>
@@ -6960,8 +7680,8 @@
         </p:nvCxnSpPr>
         <p:spPr>
           <a:xfrm>
-            <a:off x="4608004" y="2748821"/>
-            <a:ext cx="0" cy="543957"/>
+            <a:off x="4608004" y="2492896"/>
+            <a:ext cx="0" cy="360040"/>
           </a:xfrm>
           <a:prstGeom prst="straightConnector1">
             <a:avLst/>
@@ -6996,8 +7716,8 @@
         </p:nvCxnSpPr>
         <p:spPr>
           <a:xfrm>
-            <a:off x="4608004" y="3724826"/>
-            <a:ext cx="0" cy="543956"/>
+            <a:off x="4608004" y="3284984"/>
+            <a:ext cx="0" cy="288032"/>
           </a:xfrm>
           <a:prstGeom prst="straightConnector1">
             <a:avLst/>
@@ -7026,14 +7746,14 @@
           <p:cNvPr id="18" name="直線矢印コネクタ 17"/>
           <p:cNvCxnSpPr>
             <a:stCxn id="7" idx="2"/>
-            <a:endCxn id="8" idx="0"/>
+            <a:endCxn id="14" idx="0"/>
           </p:cNvCxnSpPr>
           <p:nvPr/>
         </p:nvCxnSpPr>
         <p:spPr>
           <a:xfrm>
-            <a:off x="4608004" y="4700830"/>
-            <a:ext cx="0" cy="543956"/>
+            <a:off x="4608004" y="4005064"/>
+            <a:ext cx="0" cy="576064"/>
           </a:xfrm>
           <a:prstGeom prst="straightConnector1">
             <a:avLst/>
@@ -7082,6 +7802,564 @@
             <a:r>
               <a:rPr kumimoji="1" lang="ja-JP" altLang="en-US" dirty="0" smtClean="0"/>
               <a:t>前ページ</a:t>
+            </a:r>
+            <a:endParaRPr kumimoji="1" lang="ja-JP" altLang="en-US" dirty="0"/>
+          </a:p>
+        </p:txBody>
+      </p:sp>
+      <p:sp>
+        <p:nvSpPr>
+          <p:cNvPr id="14" name="フローチャート : 判断 13"/>
+          <p:cNvSpPr/>
+          <p:nvPr/>
+        </p:nvSpPr>
+        <p:spPr>
+          <a:xfrm>
+            <a:off x="4139952" y="4581128"/>
+            <a:ext cx="936104" cy="432048"/>
+          </a:xfrm>
+          <a:prstGeom prst="flowChartDecision">
+            <a:avLst/>
+          </a:prstGeom>
+          <a:solidFill>
+            <a:srgbClr val="FFFF00"/>
+          </a:solidFill>
+        </p:spPr>
+        <p:style>
+          <a:lnRef idx="2">
+            <a:schemeClr val="dk1"/>
+          </a:lnRef>
+          <a:fillRef idx="1">
+            <a:schemeClr val="lt1"/>
+          </a:fillRef>
+          <a:effectRef idx="0">
+            <a:schemeClr val="dk1"/>
+          </a:effectRef>
+          <a:fontRef idx="minor">
+            <a:schemeClr val="dk1"/>
+          </a:fontRef>
+        </p:style>
+        <p:txBody>
+          <a:bodyPr rot="0" spcFirstLastPara="0" vertOverflow="overflow" horzOverflow="overflow" vert="horz" wrap="square" lIns="91440" tIns="45720" rIns="91440" bIns="45720" numCol="1" spcCol="0" rtlCol="0" fromWordArt="0" anchor="ctr" anchorCtr="0" forceAA="0" compatLnSpc="1">
+            <a:prstTxWarp prst="textNoShape">
+              <a:avLst/>
+            </a:prstTxWarp>
+            <a:noAutofit/>
+          </a:bodyPr>
+          <a:lstStyle/>
+          <a:p>
+            <a:pPr algn="ctr"/>
+            <a:endParaRPr kumimoji="1" lang="ja-JP" altLang="en-US" dirty="0" smtClean="0"/>
+          </a:p>
+        </p:txBody>
+      </p:sp>
+      <p:sp>
+        <p:nvSpPr>
+          <p:cNvPr id="16" name="四角形吹き出し 15"/>
+          <p:cNvSpPr/>
+          <p:nvPr/>
+        </p:nvSpPr>
+        <p:spPr>
+          <a:xfrm>
+            <a:off x="5087779" y="4091020"/>
+            <a:ext cx="1872208" cy="648072"/>
+          </a:xfrm>
+          <a:prstGeom prst="wedgeRectCallout">
+            <a:avLst>
+              <a:gd name="adj1" fmla="val -73598"/>
+              <a:gd name="adj2" fmla="val 57461"/>
+            </a:avLst>
+          </a:prstGeom>
+          <a:solidFill>
+            <a:srgbClr val="FFFF00"/>
+          </a:solidFill>
+        </p:spPr>
+        <p:style>
+          <a:lnRef idx="2">
+            <a:schemeClr val="dk1"/>
+          </a:lnRef>
+          <a:fillRef idx="1">
+            <a:schemeClr val="lt1"/>
+          </a:fillRef>
+          <a:effectRef idx="0">
+            <a:schemeClr val="dk1"/>
+          </a:effectRef>
+          <a:fontRef idx="minor">
+            <a:schemeClr val="dk1"/>
+          </a:fontRef>
+        </p:style>
+        <p:txBody>
+          <a:bodyPr rtlCol="0" anchor="ctr"/>
+          <a:lstStyle/>
+          <a:p>
+            <a:pPr algn="ctr"/>
+            <a:r>
+              <a:rPr lang="ja-JP" altLang="en-US" dirty="0"/>
+              <a:t>有効な説明変数を特定したい</a:t>
+            </a:r>
+            <a:r>
+              <a:rPr lang="ja-JP" altLang="en-US" dirty="0" smtClean="0"/>
+              <a:t>か</a:t>
+            </a:r>
+            <a:endParaRPr lang="ja-JP" altLang="en-US" dirty="0"/>
+          </a:p>
+        </p:txBody>
+      </p:sp>
+      <p:sp>
+        <p:nvSpPr>
+          <p:cNvPr id="23" name="四角形吹き出し 22"/>
+          <p:cNvSpPr/>
+          <p:nvPr/>
+        </p:nvSpPr>
+        <p:spPr>
+          <a:xfrm>
+            <a:off x="1403648" y="4321395"/>
+            <a:ext cx="1800200" cy="648072"/>
+          </a:xfrm>
+          <a:prstGeom prst="wedgeRectCallout">
+            <a:avLst>
+              <a:gd name="adj1" fmla="val 53388"/>
+              <a:gd name="adj2" fmla="val 111632"/>
+            </a:avLst>
+          </a:prstGeom>
+          <a:solidFill>
+            <a:srgbClr val="FFFF00"/>
+          </a:solidFill>
+        </p:spPr>
+        <p:style>
+          <a:lnRef idx="2">
+            <a:schemeClr val="dk1"/>
+          </a:lnRef>
+          <a:fillRef idx="1">
+            <a:schemeClr val="lt1"/>
+          </a:fillRef>
+          <a:effectRef idx="0">
+            <a:schemeClr val="dk1"/>
+          </a:effectRef>
+          <a:fontRef idx="minor">
+            <a:schemeClr val="dk1"/>
+          </a:fontRef>
+        </p:style>
+        <p:txBody>
+          <a:bodyPr rtlCol="0" anchor="ctr"/>
+          <a:lstStyle/>
+          <a:p>
+            <a:pPr algn="ctr"/>
+            <a:r>
+              <a:rPr lang="en-US" altLang="ja-JP" dirty="0"/>
+              <a:t>0</a:t>
+            </a:r>
+            <a:r>
+              <a:rPr lang="ja-JP" altLang="en-US" dirty="0"/>
+              <a:t>の回帰</a:t>
+            </a:r>
+            <a:r>
+              <a:rPr lang="ja-JP" altLang="en-US" dirty="0" smtClean="0"/>
+              <a:t>係数が存在するか</a:t>
+            </a:r>
+            <a:endParaRPr lang="ja-JP" altLang="en-US" dirty="0"/>
+          </a:p>
+        </p:txBody>
+      </p:sp>
+      <p:sp>
+        <p:nvSpPr>
+          <p:cNvPr id="24" name="フローチャート : 判断 23"/>
+          <p:cNvSpPr/>
+          <p:nvPr/>
+        </p:nvSpPr>
+        <p:spPr>
+          <a:xfrm>
+            <a:off x="2915816" y="5229200"/>
+            <a:ext cx="936104" cy="432048"/>
+          </a:xfrm>
+          <a:prstGeom prst="flowChartDecision">
+            <a:avLst/>
+          </a:prstGeom>
+          <a:solidFill>
+            <a:srgbClr val="FFFF00"/>
+          </a:solidFill>
+        </p:spPr>
+        <p:style>
+          <a:lnRef idx="2">
+            <a:schemeClr val="dk1"/>
+          </a:lnRef>
+          <a:fillRef idx="1">
+            <a:schemeClr val="lt1"/>
+          </a:fillRef>
+          <a:effectRef idx="0">
+            <a:schemeClr val="dk1"/>
+          </a:effectRef>
+          <a:fontRef idx="minor">
+            <a:schemeClr val="dk1"/>
+          </a:fontRef>
+        </p:style>
+        <p:txBody>
+          <a:bodyPr rot="0" spcFirstLastPara="0" vertOverflow="overflow" horzOverflow="overflow" vert="horz" wrap="square" lIns="91440" tIns="45720" rIns="91440" bIns="45720" numCol="1" spcCol="0" rtlCol="0" fromWordArt="0" anchor="ctr" anchorCtr="0" forceAA="0" compatLnSpc="1">
+            <a:prstTxWarp prst="textNoShape">
+              <a:avLst/>
+            </a:prstTxWarp>
+            <a:noAutofit/>
+          </a:bodyPr>
+          <a:lstStyle/>
+          <a:p>
+            <a:pPr algn="ctr"/>
+            <a:endParaRPr kumimoji="1" lang="ja-JP" altLang="en-US" dirty="0" smtClean="0"/>
+          </a:p>
+        </p:txBody>
+      </p:sp>
+      <p:cxnSp>
+        <p:nvCxnSpPr>
+          <p:cNvPr id="25" name="カギ線コネクタ 24"/>
+          <p:cNvCxnSpPr>
+            <a:stCxn id="14" idx="1"/>
+            <a:endCxn id="24" idx="0"/>
+          </p:cNvCxnSpPr>
+          <p:nvPr/>
+        </p:nvCxnSpPr>
+        <p:spPr>
+          <a:xfrm rot="10800000" flipV="1">
+            <a:off x="3383868" y="4797152"/>
+            <a:ext cx="756084" cy="432048"/>
+          </a:xfrm>
+          <a:prstGeom prst="bentConnector2">
+            <a:avLst/>
+          </a:prstGeom>
+          <a:ln w="44450">
+            <a:tailEnd type="arrow"/>
+          </a:ln>
+        </p:spPr>
+        <p:style>
+          <a:lnRef idx="1">
+            <a:schemeClr val="accent1"/>
+          </a:lnRef>
+          <a:fillRef idx="0">
+            <a:schemeClr val="accent1"/>
+          </a:fillRef>
+          <a:effectRef idx="0">
+            <a:schemeClr val="accent1"/>
+          </a:effectRef>
+          <a:fontRef idx="minor">
+            <a:schemeClr val="tx1"/>
+          </a:fontRef>
+        </p:style>
+      </p:cxnSp>
+      <p:cxnSp>
+        <p:nvCxnSpPr>
+          <p:cNvPr id="28" name="カギ線コネクタ 27"/>
+          <p:cNvCxnSpPr>
+            <a:stCxn id="14" idx="3"/>
+            <a:endCxn id="8" idx="0"/>
+          </p:cNvCxnSpPr>
+          <p:nvPr/>
+        </p:nvCxnSpPr>
+        <p:spPr>
+          <a:xfrm>
+            <a:off x="5076056" y="4797152"/>
+            <a:ext cx="1878251" cy="1463891"/>
+          </a:xfrm>
+          <a:prstGeom prst="bentConnector2">
+            <a:avLst/>
+          </a:prstGeom>
+          <a:ln w="44450">
+            <a:tailEnd type="arrow"/>
+          </a:ln>
+        </p:spPr>
+        <p:style>
+          <a:lnRef idx="1">
+            <a:schemeClr val="accent1"/>
+          </a:lnRef>
+          <a:fillRef idx="0">
+            <a:schemeClr val="accent1"/>
+          </a:fillRef>
+          <a:effectRef idx="0">
+            <a:schemeClr val="accent1"/>
+          </a:effectRef>
+          <a:fontRef idx="minor">
+            <a:schemeClr val="tx1"/>
+          </a:fontRef>
+        </p:style>
+      </p:cxnSp>
+      <p:sp>
+        <p:nvSpPr>
+          <p:cNvPr id="31" name="フローチャート: 処理 30"/>
+          <p:cNvSpPr/>
+          <p:nvPr/>
+        </p:nvSpPr>
+        <p:spPr>
+          <a:xfrm>
+            <a:off x="1259632" y="5892636"/>
+            <a:ext cx="1656184" cy="432048"/>
+          </a:xfrm>
+          <a:prstGeom prst="flowChartProcess">
+            <a:avLst/>
+          </a:prstGeom>
+          <a:solidFill>
+            <a:srgbClr val="FFFF00"/>
+          </a:solidFill>
+        </p:spPr>
+        <p:style>
+          <a:lnRef idx="2">
+            <a:schemeClr val="dk1"/>
+          </a:lnRef>
+          <a:fillRef idx="1">
+            <a:schemeClr val="lt1"/>
+          </a:fillRef>
+          <a:effectRef idx="0">
+            <a:schemeClr val="dk1"/>
+          </a:effectRef>
+          <a:fontRef idx="minor">
+            <a:schemeClr val="dk1"/>
+          </a:fontRef>
+        </p:style>
+        <p:txBody>
+          <a:bodyPr rot="0" spcFirstLastPara="0" vertOverflow="overflow" horzOverflow="overflow" vert="horz" wrap="square" lIns="91440" tIns="45720" rIns="91440" bIns="45720" numCol="1" spcCol="0" rtlCol="0" fromWordArt="0" anchor="ctr" anchorCtr="0" forceAA="0" compatLnSpc="1">
+            <a:prstTxWarp prst="textNoShape">
+              <a:avLst/>
+            </a:prstTxWarp>
+            <a:noAutofit/>
+          </a:bodyPr>
+          <a:lstStyle/>
+          <a:p>
+            <a:pPr algn="ctr"/>
+            <a:r>
+              <a:rPr kumimoji="1" lang="en-US" altLang="ja-JP" dirty="0" smtClean="0"/>
+              <a:t>0</a:t>
+            </a:r>
+            <a:r>
+              <a:rPr kumimoji="1" lang="ja-JP" altLang="en-US" dirty="0" smtClean="0"/>
+              <a:t>の列を削除</a:t>
+            </a:r>
+            <a:endParaRPr kumimoji="1" lang="ja-JP" altLang="en-US" dirty="0" smtClean="0"/>
+          </a:p>
+        </p:txBody>
+      </p:sp>
+      <p:cxnSp>
+        <p:nvCxnSpPr>
+          <p:cNvPr id="32" name="カギ線コネクタ 31"/>
+          <p:cNvCxnSpPr>
+            <a:stCxn id="24" idx="1"/>
+            <a:endCxn id="31" idx="0"/>
+          </p:cNvCxnSpPr>
+          <p:nvPr/>
+        </p:nvCxnSpPr>
+        <p:spPr>
+          <a:xfrm rot="10800000" flipV="1">
+            <a:off x="2087724" y="5445224"/>
+            <a:ext cx="828092" cy="447412"/>
+          </a:xfrm>
+          <a:prstGeom prst="bentConnector2">
+            <a:avLst/>
+          </a:prstGeom>
+          <a:ln w="44450">
+            <a:tailEnd type="arrow"/>
+          </a:ln>
+        </p:spPr>
+        <p:style>
+          <a:lnRef idx="1">
+            <a:schemeClr val="accent1"/>
+          </a:lnRef>
+          <a:fillRef idx="0">
+            <a:schemeClr val="accent1"/>
+          </a:fillRef>
+          <a:effectRef idx="0">
+            <a:schemeClr val="accent1"/>
+          </a:effectRef>
+          <a:fontRef idx="minor">
+            <a:schemeClr val="tx1"/>
+          </a:fontRef>
+        </p:style>
+      </p:cxnSp>
+      <p:cxnSp>
+        <p:nvCxnSpPr>
+          <p:cNvPr id="35" name="カギ線コネクタ 34"/>
+          <p:cNvCxnSpPr>
+            <a:stCxn id="24" idx="3"/>
+            <a:endCxn id="8" idx="0"/>
+          </p:cNvCxnSpPr>
+          <p:nvPr/>
+        </p:nvCxnSpPr>
+        <p:spPr>
+          <a:xfrm>
+            <a:off x="3851920" y="5445224"/>
+            <a:ext cx="3102387" cy="815819"/>
+          </a:xfrm>
+          <a:prstGeom prst="bentConnector2">
+            <a:avLst/>
+          </a:prstGeom>
+          <a:ln w="44450">
+            <a:tailEnd type="arrow"/>
+          </a:ln>
+        </p:spPr>
+        <p:style>
+          <a:lnRef idx="1">
+            <a:schemeClr val="accent1"/>
+          </a:lnRef>
+          <a:fillRef idx="0">
+            <a:schemeClr val="accent1"/>
+          </a:fillRef>
+          <a:effectRef idx="0">
+            <a:schemeClr val="accent1"/>
+          </a:effectRef>
+          <a:fontRef idx="minor">
+            <a:schemeClr val="tx1"/>
+          </a:fontRef>
+        </p:style>
+      </p:cxnSp>
+      <p:cxnSp>
+        <p:nvCxnSpPr>
+          <p:cNvPr id="38" name="カギ線コネクタ 37"/>
+          <p:cNvCxnSpPr>
+            <a:stCxn id="31" idx="2"/>
+            <a:endCxn id="6" idx="0"/>
+          </p:cNvCxnSpPr>
+          <p:nvPr/>
+        </p:nvCxnSpPr>
+        <p:spPr>
+          <a:xfrm rot="5400000" flipH="1" flipV="1">
+            <a:off x="1611990" y="3328670"/>
+            <a:ext cx="3471748" cy="2520280"/>
+          </a:xfrm>
+          <a:prstGeom prst="bentConnector5">
+            <a:avLst>
+              <a:gd name="adj1" fmla="val -6585"/>
+              <a:gd name="adj2" fmla="val -60519"/>
+              <a:gd name="adj3" fmla="val 106585"/>
+            </a:avLst>
+          </a:prstGeom>
+          <a:ln w="44450">
+            <a:tailEnd type="arrow"/>
+          </a:ln>
+        </p:spPr>
+        <p:style>
+          <a:lnRef idx="1">
+            <a:schemeClr val="accent1"/>
+          </a:lnRef>
+          <a:fillRef idx="0">
+            <a:schemeClr val="accent1"/>
+          </a:fillRef>
+          <a:effectRef idx="0">
+            <a:schemeClr val="accent1"/>
+          </a:effectRef>
+          <a:fontRef idx="minor">
+            <a:schemeClr val="tx1"/>
+          </a:fontRef>
+        </p:style>
+      </p:cxnSp>
+      <p:sp>
+        <p:nvSpPr>
+          <p:cNvPr id="43" name="テキスト ボックス 42"/>
+          <p:cNvSpPr txBox="1"/>
+          <p:nvPr/>
+        </p:nvSpPr>
+        <p:spPr>
+          <a:xfrm>
+            <a:off x="3635896" y="4487061"/>
+            <a:ext cx="561051" cy="369332"/>
+          </a:xfrm>
+          <a:prstGeom prst="rect">
+            <a:avLst/>
+          </a:prstGeom>
+          <a:noFill/>
+        </p:spPr>
+        <p:txBody>
+          <a:bodyPr wrap="none" rtlCol="0">
+            <a:spAutoFit/>
+          </a:bodyPr>
+          <a:lstStyle/>
+          <a:p>
+            <a:r>
+              <a:rPr kumimoji="1" lang="en-US" altLang="ja-JP" dirty="0" smtClean="0"/>
+              <a:t>Yes</a:t>
+            </a:r>
+            <a:endParaRPr kumimoji="1" lang="ja-JP" altLang="en-US" dirty="0"/>
+          </a:p>
+        </p:txBody>
+      </p:sp>
+      <p:sp>
+        <p:nvSpPr>
+          <p:cNvPr id="44" name="テキスト ボックス 43"/>
+          <p:cNvSpPr txBox="1"/>
+          <p:nvPr/>
+        </p:nvSpPr>
+        <p:spPr>
+          <a:xfrm>
+            <a:off x="5052222" y="4828510"/>
+            <a:ext cx="479618" cy="369332"/>
+          </a:xfrm>
+          <a:prstGeom prst="rect">
+            <a:avLst/>
+          </a:prstGeom>
+          <a:noFill/>
+        </p:spPr>
+        <p:txBody>
+          <a:bodyPr wrap="none" rtlCol="0">
+            <a:spAutoFit/>
+          </a:bodyPr>
+          <a:lstStyle/>
+          <a:p>
+            <a:r>
+              <a:rPr kumimoji="1" lang="en-US" altLang="ja-JP" dirty="0" smtClean="0"/>
+              <a:t>No</a:t>
+            </a:r>
+            <a:endParaRPr kumimoji="1" lang="ja-JP" altLang="en-US" dirty="0"/>
+          </a:p>
+        </p:txBody>
+      </p:sp>
+      <p:sp>
+        <p:nvSpPr>
+          <p:cNvPr id="45" name="テキスト ボックス 44"/>
+          <p:cNvSpPr txBox="1"/>
+          <p:nvPr/>
+        </p:nvSpPr>
+        <p:spPr>
+          <a:xfrm>
+            <a:off x="2330776" y="5159765"/>
+            <a:ext cx="561051" cy="369332"/>
+          </a:xfrm>
+          <a:prstGeom prst="rect">
+            <a:avLst/>
+          </a:prstGeom>
+          <a:noFill/>
+        </p:spPr>
+        <p:txBody>
+          <a:bodyPr wrap="none" rtlCol="0">
+            <a:spAutoFit/>
+          </a:bodyPr>
+          <a:lstStyle/>
+          <a:p>
+            <a:r>
+              <a:rPr kumimoji="1" lang="en-US" altLang="ja-JP" dirty="0" smtClean="0"/>
+              <a:t>Yes</a:t>
+            </a:r>
+            <a:endParaRPr kumimoji="1" lang="ja-JP" altLang="en-US" dirty="0"/>
+          </a:p>
+        </p:txBody>
+      </p:sp>
+      <p:sp>
+        <p:nvSpPr>
+          <p:cNvPr id="46" name="テキスト ボックス 45"/>
+          <p:cNvSpPr txBox="1"/>
+          <p:nvPr/>
+        </p:nvSpPr>
+        <p:spPr>
+          <a:xfrm>
+            <a:off x="3851920" y="5152296"/>
+            <a:ext cx="479618" cy="369332"/>
+          </a:xfrm>
+          <a:prstGeom prst="rect">
+            <a:avLst/>
+          </a:prstGeom>
+          <a:noFill/>
+        </p:spPr>
+        <p:txBody>
+          <a:bodyPr wrap="none" rtlCol="0">
+            <a:spAutoFit/>
+          </a:bodyPr>
+          <a:lstStyle/>
+          <a:p>
+            <a:r>
+              <a:rPr kumimoji="1" lang="en-US" altLang="ja-JP" dirty="0" smtClean="0"/>
+              <a:t>No</a:t>
             </a:r>
             <a:endParaRPr kumimoji="1" lang="ja-JP" altLang="en-US" dirty="0"/>
           </a:p>
@@ -7152,7 +8430,9 @@
         </p:nvSpPr>
         <p:spPr/>
         <p:txBody>
-          <a:bodyPr/>
+          <a:bodyPr>
+            <a:normAutofit/>
+          </a:bodyPr>
           <a:lstStyle/>
           <a:p>
             <a:r>
@@ -7179,21 +8459,41 @@
           </a:p>
           <a:p>
             <a:r>
+              <a:rPr lang="en-US" altLang="ja-JP" dirty="0" smtClean="0"/>
+              <a:t>One </a:t>
+            </a:r>
+            <a:r>
+              <a:rPr lang="en-US" altLang="ja-JP" dirty="0" smtClean="0"/>
+              <a:t>Hot </a:t>
+            </a:r>
+            <a:r>
+              <a:rPr lang="en-US" altLang="ja-JP" dirty="0" smtClean="0"/>
+              <a:t>Encoding</a:t>
+            </a:r>
+            <a:endParaRPr lang="en-US" altLang="ja-JP" dirty="0"/>
+          </a:p>
+          <a:p>
+            <a:pPr lvl="1"/>
+            <a:r>
+              <a:rPr lang="ja-JP" altLang="en-US" dirty="0"/>
+              <a:t>テストデータセットとトレーニングデータセットを結合</a:t>
+            </a:r>
+            <a:r>
               <a:rPr lang="ja-JP" altLang="en-US" dirty="0" smtClean="0"/>
-              <a:t>テストデータセットとトレーニングデータセットを結合させて</a:t>
-            </a:r>
-            <a:r>
-              <a:rPr lang="en-US" altLang="ja-JP" dirty="0" smtClean="0"/>
-              <a:t>One Hot Encoding</a:t>
+              <a:t>させ</a:t>
+            </a:r>
+            <a:r>
+              <a:rPr lang="ja-JP" altLang="en-US" dirty="0"/>
+              <a:t>て</a:t>
             </a:r>
             <a:r>
               <a:rPr lang="ja-JP" altLang="en-US" dirty="0" smtClean="0"/>
-              <a:t>をとること</a:t>
+              <a:t>から実施する</a:t>
             </a:r>
             <a:endParaRPr lang="en-US" altLang="ja-JP" dirty="0" smtClean="0"/>
           </a:p>
           <a:p>
-            <a:pPr lvl="1"/>
+            <a:pPr lvl="2"/>
             <a:r>
               <a:rPr kumimoji="1" lang="ja-JP" altLang="en-US" dirty="0"/>
               <a:t>カテゴリカル</a:t>
@@ -7205,27 +8505,211 @@
             <a:endParaRPr kumimoji="1" lang="en-US" altLang="ja-JP" dirty="0" smtClean="0"/>
           </a:p>
           <a:p>
-            <a:pPr lvl="2"/>
+            <a:pPr lvl="3"/>
             <a:r>
               <a:rPr kumimoji="1" lang="ja-JP" altLang="en-US" dirty="0" smtClean="0"/>
               <a:t>テストデータセット：　</a:t>
             </a:r>
             <a:r>
               <a:rPr kumimoji="1" lang="en-US" altLang="ja-JP" dirty="0" smtClean="0"/>
-              <a:t>A, B, C</a:t>
-            </a:r>
-          </a:p>
-          <a:p>
-            <a:pPr lvl="2"/>
+              <a:t>A, B, </a:t>
+            </a:r>
+            <a:r>
+              <a:rPr kumimoji="1" lang="en-US" altLang="ja-JP" dirty="0" smtClean="0"/>
+              <a:t>C</a:t>
+            </a:r>
+            <a:endParaRPr kumimoji="1" lang="en-US" altLang="ja-JP" dirty="0" smtClean="0"/>
+          </a:p>
+          <a:p>
+            <a:pPr lvl="3"/>
             <a:r>
               <a:rPr kumimoji="1" lang="ja-JP" altLang="en-US" dirty="0" smtClean="0"/>
               <a:t>トレーニングデータ</a:t>
             </a:r>
             <a:r>
               <a:rPr kumimoji="1" lang="en-US" altLang="ja-JP" dirty="0" smtClean="0"/>
-              <a:t>: B, C, D, E</a:t>
-            </a:r>
-            <a:endParaRPr kumimoji="1" lang="ja-JP" altLang="en-US" dirty="0"/>
+              <a:t>: B, C, D, </a:t>
+            </a:r>
+            <a:r>
+              <a:rPr kumimoji="1" lang="en-US" altLang="ja-JP" dirty="0" smtClean="0"/>
+              <a:t>E</a:t>
+            </a:r>
+          </a:p>
+          <a:p>
+            <a:pPr lvl="1"/>
+            <a:r>
+              <a:rPr kumimoji="1" lang="en-US" altLang="ja-JP" dirty="0" err="1" smtClean="0">
+                <a:solidFill>
+                  <a:srgbClr val="FF0000"/>
+                </a:solidFill>
+              </a:rPr>
+              <a:t>Pandas.</a:t>
+            </a:r>
+            <a:r>
+              <a:rPr lang="en-US" altLang="ja-JP" dirty="0" err="1" smtClean="0">
+                <a:solidFill>
+                  <a:srgbClr val="FF0000"/>
+                </a:solidFill>
+              </a:rPr>
+              <a:t>get_dummies</a:t>
+            </a:r>
+            <a:r>
+              <a:rPr lang="ja-JP" altLang="en-US" dirty="0" smtClean="0">
+                <a:solidFill>
+                  <a:srgbClr val="FF0000"/>
+                </a:solidFill>
+              </a:rPr>
+              <a:t>は非推奨</a:t>
+            </a:r>
+            <a:endParaRPr lang="en-US" altLang="ja-JP" dirty="0" smtClean="0">
+              <a:solidFill>
+                <a:srgbClr val="FF0000"/>
+              </a:solidFill>
+            </a:endParaRPr>
+          </a:p>
+          <a:p>
+            <a:pPr lvl="2"/>
+            <a:r>
+              <a:rPr kumimoji="1" lang="ja-JP" altLang="en-US" dirty="0">
+                <a:solidFill>
+                  <a:srgbClr val="FF0000"/>
+                </a:solidFill>
+              </a:rPr>
+              <a:t>メモリ</a:t>
+            </a:r>
+            <a:r>
+              <a:rPr kumimoji="1" lang="ja-JP" altLang="en-US" dirty="0" smtClean="0">
+                <a:solidFill>
+                  <a:srgbClr val="FF0000"/>
+                </a:solidFill>
+              </a:rPr>
+              <a:t>を大量に消費するためカテゴリ数が多い、データ量が多い場合メモリオーバーになる</a:t>
+            </a:r>
+            <a:endParaRPr kumimoji="1" lang="en-US" altLang="ja-JP" dirty="0" smtClean="0">
+              <a:solidFill>
+                <a:srgbClr val="FF0000"/>
+              </a:solidFill>
+            </a:endParaRPr>
+          </a:p>
+          <a:p>
+            <a:pPr lvl="1"/>
+            <a:r>
+              <a:rPr lang="en-US" altLang="ja-JP" dirty="0" err="1" smtClean="0">
+                <a:solidFill>
+                  <a:srgbClr val="FF0000"/>
+                </a:solidFill>
+              </a:rPr>
+              <a:t>sklearn.preprocessing</a:t>
+            </a:r>
+            <a:r>
+              <a:rPr lang="ja-JP" altLang="en-US" dirty="0" smtClean="0">
+                <a:solidFill>
+                  <a:srgbClr val="FF0000"/>
+                </a:solidFill>
+              </a:rPr>
+              <a:t>の</a:t>
+            </a:r>
+            <a:r>
+              <a:rPr lang="en-US" altLang="ja-JP" dirty="0" err="1">
+                <a:solidFill>
+                  <a:srgbClr val="FF0000"/>
+                </a:solidFill>
+              </a:rPr>
+              <a:t>OneHotEncoder</a:t>
+            </a:r>
+            <a:r>
+              <a:rPr lang="ja-JP" altLang="en-US" dirty="0" smtClean="0">
+                <a:solidFill>
+                  <a:srgbClr val="FF0000"/>
+                </a:solidFill>
+              </a:rPr>
+              <a:t>を推奨</a:t>
+            </a:r>
+            <a:endParaRPr lang="en-US" altLang="ja-JP" dirty="0" smtClean="0">
+              <a:solidFill>
+                <a:srgbClr val="FF0000"/>
+              </a:solidFill>
+            </a:endParaRPr>
+          </a:p>
+          <a:p>
+            <a:pPr lvl="2"/>
+            <a:r>
+              <a:rPr lang="en-US" altLang="ja-JP" dirty="0" err="1" smtClean="0">
+                <a:solidFill>
+                  <a:srgbClr val="FF0000"/>
+                </a:solidFill>
+              </a:rPr>
+              <a:t>OneHotEncoder</a:t>
+            </a:r>
+            <a:r>
+              <a:rPr lang="ja-JP" altLang="en-US" dirty="0" smtClean="0">
+                <a:solidFill>
+                  <a:srgbClr val="FF0000"/>
+                </a:solidFill>
+              </a:rPr>
+              <a:t>を利用するには、対象が数値データでないと実行できないため、</a:t>
+            </a:r>
+            <a:r>
+              <a:rPr lang="en-US" altLang="ja-JP" dirty="0" err="1" smtClean="0">
+                <a:solidFill>
+                  <a:srgbClr val="FF0000"/>
+                </a:solidFill>
+              </a:rPr>
+              <a:t>LabelEncoder</a:t>
+            </a:r>
+            <a:r>
+              <a:rPr lang="ja-JP" altLang="en-US" dirty="0" smtClean="0">
+                <a:solidFill>
+                  <a:srgbClr val="FF0000"/>
+                </a:solidFill>
+              </a:rPr>
+              <a:t>で事前に数値に変換する必要がある</a:t>
+            </a:r>
+            <a:endParaRPr lang="en-US" altLang="ja-JP" dirty="0" smtClean="0">
+              <a:solidFill>
+                <a:srgbClr val="FF0000"/>
+              </a:solidFill>
+            </a:endParaRPr>
+          </a:p>
+          <a:p>
+            <a:pPr lvl="2"/>
+            <a:r>
+              <a:rPr kumimoji="1" lang="en-US" altLang="ja-JP" dirty="0" err="1" smtClean="0">
+                <a:solidFill>
+                  <a:srgbClr val="FF0000"/>
+                </a:solidFill>
+              </a:rPr>
+              <a:t>OneHotEncoder</a:t>
+            </a:r>
+            <a:r>
+              <a:rPr kumimoji="1" lang="ja-JP" altLang="en-US" dirty="0" smtClean="0">
+                <a:solidFill>
+                  <a:srgbClr val="FF0000"/>
+                </a:solidFill>
+              </a:rPr>
+              <a:t>では欠損値が</a:t>
+            </a:r>
+            <a:r>
+              <a:rPr kumimoji="1" lang="en-US" altLang="ja-JP" dirty="0" smtClean="0">
+                <a:solidFill>
+                  <a:srgbClr val="FF0000"/>
+                </a:solidFill>
+              </a:rPr>
+              <a:t>”nan”</a:t>
+            </a:r>
+            <a:r>
+              <a:rPr kumimoji="1" lang="ja-JP" altLang="en-US" dirty="0" smtClean="0">
+                <a:solidFill>
+                  <a:srgbClr val="FF0000"/>
+                </a:solidFill>
+              </a:rPr>
+              <a:t>列となってしまうため削除する必要あり</a:t>
+            </a:r>
+            <a:endParaRPr kumimoji="1" lang="ja-JP" altLang="en-US" dirty="0">
+              <a:solidFill>
+                <a:srgbClr val="FF0000"/>
+              </a:solidFill>
+            </a:endParaRPr>
           </a:p>
         </p:txBody>
       </p:sp>

--- a/misoka/2.3.Lasso/2.3.Lasso.pptx
+++ b/misoka/2.3.Lasso/2.3.Lasso.pptx
@@ -124,7 +124,7 @@
   </p:defaultTextStyle>
   <p:extLst>
     <p:ext uri="{EFAFB233-063F-42B5-8137-9DF3F51BA10A}">
-      <p15:sldGuideLst xmlns:p15="http://schemas.microsoft.com/office/powerpoint/2012/main" xmlns="">
+      <p15:sldGuideLst xmlns="" xmlns:p15="http://schemas.microsoft.com/office/powerpoint/2012/main">
         <p15:guide id="1" orient="horz" pos="2160">
           <p15:clr>
             <a:srgbClr val="A4A3A4"/>
@@ -223,7 +223,7 @@
           <a:p>
             <a:fld id="{35AF1AB0-152F-4944-8B0B-D6AC80456478}" type="datetimeFigureOut">
               <a:rPr kumimoji="1" lang="ja-JP" altLang="en-US" smtClean="0"/>
-              <a:t>2018/11/14</a:t>
+              <a:t>2018/11/23</a:t>
             </a:fld>
             <a:endParaRPr kumimoji="1" lang="ja-JP" altLang="en-US"/>
           </a:p>
@@ -711,7 +711,7 @@
           <a:p>
             <a:fld id="{9162DFDF-7161-450E-AA25-87B734D9927A}" type="datetime1">
               <a:rPr kumimoji="1" lang="ja-JP" altLang="en-US" smtClean="0"/>
-              <a:t>2018/11/14</a:t>
+              <a:t>2018/11/23</a:t>
             </a:fld>
             <a:endParaRPr kumimoji="1" lang="ja-JP" altLang="en-US"/>
           </a:p>
@@ -943,7 +943,7 @@
           <a:p>
             <a:fld id="{05170B31-FCB0-4503-B8DD-4901361C2F6F}" type="datetime1">
               <a:rPr kumimoji="1" lang="ja-JP" altLang="en-US" smtClean="0"/>
-              <a:t>2018/11/14</a:t>
+              <a:t>2018/11/23</a:t>
             </a:fld>
             <a:endParaRPr kumimoji="1" lang="ja-JP" altLang="en-US"/>
           </a:p>
@@ -1150,7 +1150,7 @@
           <a:p>
             <a:fld id="{A285A42D-9368-4BB8-90BE-0F899494FD93}" type="datetime1">
               <a:rPr kumimoji="1" lang="ja-JP" altLang="en-US" smtClean="0"/>
-              <a:t>2018/11/14</a:t>
+              <a:t>2018/11/23</a:t>
             </a:fld>
             <a:endParaRPr kumimoji="1" lang="ja-JP" altLang="en-US"/>
           </a:p>
@@ -1347,7 +1347,7 @@
           <a:p>
             <a:fld id="{AC56DD09-0C5E-431E-AADA-074A2AD145DD}" type="datetime1">
               <a:rPr kumimoji="1" lang="ja-JP" altLang="en-US" smtClean="0"/>
-              <a:t>2018/11/14</a:t>
+              <a:t>2018/11/23</a:t>
             </a:fld>
             <a:endParaRPr kumimoji="1" lang="ja-JP" altLang="en-US"/>
           </a:p>
@@ -1595,7 +1595,7 @@
           <a:p>
             <a:fld id="{E3F455DD-B8CA-4C30-97FD-952368997C4F}" type="datetime1">
               <a:rPr kumimoji="1" lang="ja-JP" altLang="en-US" smtClean="0"/>
-              <a:t>2018/11/14</a:t>
+              <a:t>2018/11/23</a:t>
             </a:fld>
             <a:endParaRPr kumimoji="1" lang="ja-JP" altLang="en-US"/>
           </a:p>
@@ -1977,7 +1977,7 @@
           <a:p>
             <a:fld id="{6AD42BE7-B330-4BC3-BB4C-EE0029A16A41}" type="datetime1">
               <a:rPr kumimoji="1" lang="ja-JP" altLang="en-US" smtClean="0"/>
-              <a:t>2018/11/14</a:t>
+              <a:t>2018/11/23</a:t>
             </a:fld>
             <a:endParaRPr kumimoji="1" lang="ja-JP" altLang="en-US"/>
           </a:p>
@@ -2507,7 +2507,7 @@
           <a:p>
             <a:fld id="{68A324F7-1AF9-496C-9147-148D735ACB58}" type="datetime1">
               <a:rPr kumimoji="1" lang="ja-JP" altLang="en-US" smtClean="0"/>
-              <a:t>2018/11/14</a:t>
+              <a:t>2018/11/23</a:t>
             </a:fld>
             <a:endParaRPr kumimoji="1" lang="ja-JP" altLang="en-US"/>
           </a:p>
@@ -2655,7 +2655,7 @@
           <a:p>
             <a:fld id="{27AA0BA3-AB01-4609-88A0-55AAC0CC76BD}" type="datetime1">
               <a:rPr kumimoji="1" lang="ja-JP" altLang="en-US" smtClean="0"/>
-              <a:t>2018/11/14</a:t>
+              <a:t>2018/11/23</a:t>
             </a:fld>
             <a:endParaRPr kumimoji="1" lang="ja-JP" altLang="en-US"/>
           </a:p>
@@ -2745,7 +2745,7 @@
           <a:p>
             <a:fld id="{0CFBF5D4-B5CC-4467-B796-C67F515DE3C5}" type="datetime1">
               <a:rPr kumimoji="1" lang="ja-JP" altLang="en-US" smtClean="0"/>
-              <a:t>2018/11/14</a:t>
+              <a:t>2018/11/23</a:t>
             </a:fld>
             <a:endParaRPr kumimoji="1" lang="ja-JP" altLang="en-US"/>
           </a:p>
@@ -3051,7 +3051,7 @@
           <a:p>
             <a:fld id="{A0163980-AAA3-47F9-A262-0D3864F1B223}" type="datetime1">
               <a:rPr kumimoji="1" lang="ja-JP" altLang="en-US" smtClean="0"/>
-              <a:t>2018/11/14</a:t>
+              <a:t>2018/11/23</a:t>
             </a:fld>
             <a:endParaRPr kumimoji="1" lang="ja-JP" altLang="en-US"/>
           </a:p>
@@ -3356,7 +3356,7 @@
           <a:p>
             <a:fld id="{848859B9-DC56-434E-8346-7979ED5DF987}" type="datetime1">
               <a:rPr kumimoji="1" lang="ja-JP" altLang="en-US" smtClean="0"/>
-              <a:t>2018/11/14</a:t>
+              <a:t>2018/11/23</a:t>
             </a:fld>
             <a:endParaRPr kumimoji="1" lang="ja-JP" altLang="en-US"/>
           </a:p>
@@ -3686,7 +3686,7 @@
           <a:p>
             <a:fld id="{8A9F02A4-63CC-4654-A6E7-8D37C032D0CA}" type="datetime1">
               <a:rPr kumimoji="1" lang="ja-JP" altLang="en-US" smtClean="0"/>
-              <a:t>2018/11/14</a:t>
+              <a:t>2018/11/23</a:t>
             </a:fld>
             <a:endParaRPr kumimoji="1" lang="ja-JP" altLang="en-US"/>
           </a:p>
@@ -4242,14 +4242,14 @@
           <p:nvPr>
             <p:extLst>
               <p:ext uri="{D42A27DB-BD31-4B8C-83A1-F6EECF244321}">
-                <p14:modId xmlns:p14="http://schemas.microsoft.com/office/powerpoint/2010/main" val="3100794621"/>
+                <p14:modId xmlns:p14="http://schemas.microsoft.com/office/powerpoint/2010/main" val="1925792302"/>
               </p:ext>
             </p:extLst>
           </p:nvPr>
         </p:nvGraphicFramePr>
         <p:xfrm>
           <a:off x="251521" y="2060848"/>
-          <a:ext cx="8568951" cy="1854200"/>
+          <a:ext cx="8712967" cy="2123440"/>
         </p:xfrm>
         <a:graphic>
           <a:graphicData uri="http://schemas.openxmlformats.org/drawingml/2006/table">
@@ -4258,10 +4258,11 @@
                 <a:tableStyleId>{5C22544A-7EE6-4342-B048-85BDC9FD1C3A}</a:tableStyleId>
               </a:tblPr>
               <a:tblGrid>
-                <a:gridCol w="869636"/>
-                <a:gridCol w="2298715"/>
-                <a:gridCol w="2520280"/>
-                <a:gridCol w="2880320"/>
+                <a:gridCol w="661799"/>
+                <a:gridCol w="1749337"/>
+                <a:gridCol w="2055175"/>
+                <a:gridCol w="2054715"/>
+                <a:gridCol w="2191941"/>
               </a:tblGrid>
               <a:tr h="370840">
                 <a:tc>
@@ -4332,6 +4333,51 @@
                   </a:txBody>
                   <a:tcPr/>
                 </a:tc>
+                <a:tc>
+                  <a:txBody>
+                    <a:bodyPr/>
+                    <a:lstStyle/>
+                    <a:p>
+                      <a:r>
+                        <a:rPr kumimoji="1" lang="en-US" altLang="ja-JP" dirty="0" err="1" smtClean="0"/>
+                        <a:t>Kaggle</a:t>
+                      </a:r>
+                      <a:r>
+                        <a:rPr kumimoji="1" lang="ja-JP" altLang="en-US" dirty="0" err="1" smtClean="0"/>
+                        <a:t>での</a:t>
+                      </a:r>
+                      <a:r>
+                        <a:rPr kumimoji="1" lang="ja-JP" altLang="en-US" dirty="0" smtClean="0"/>
+                        <a:t>順位</a:t>
+                      </a:r>
+                      <a:endParaRPr kumimoji="1" lang="en-US" altLang="ja-JP" dirty="0" smtClean="0"/>
+                    </a:p>
+                    <a:p>
+                      <a:r>
+                        <a:rPr kumimoji="1" lang="en-US" altLang="ja-JP" dirty="0" smtClean="0"/>
+                        <a:t>(</a:t>
+                      </a:r>
+                      <a:r>
+                        <a:rPr kumimoji="1" lang="ja-JP" altLang="en-US" dirty="0" smtClean="0"/>
+                        <a:t>全体</a:t>
+                      </a:r>
+                      <a:r>
+                        <a:rPr kumimoji="1" lang="en-US" altLang="ja-JP" dirty="0" smtClean="0"/>
+                        <a:t>4263</a:t>
+                      </a:r>
+                      <a:r>
+                        <a:rPr kumimoji="1" lang="ja-JP" altLang="en-US" dirty="0" smtClean="0"/>
+                        <a:t>人</a:t>
+                      </a:r>
+                      <a:r>
+                        <a:rPr kumimoji="1" lang="en-US" altLang="ja-JP" dirty="0" smtClean="0"/>
+                        <a:t>)</a:t>
+                      </a:r>
+                      <a:endParaRPr kumimoji="1" lang="ja-JP" altLang="en-US" dirty="0"/>
+                    </a:p>
+                  </a:txBody>
+                  <a:tcPr/>
+                </a:tc>
               </a:tr>
               <a:tr h="370840">
                 <a:tc>
@@ -4384,6 +4430,36 @@
                       <a:r>
                         <a:rPr kumimoji="1" lang="en-US" altLang="ja-JP" dirty="0" smtClean="0"/>
                         <a:t>0.11703</a:t>
+                      </a:r>
+                      <a:endParaRPr kumimoji="1" lang="ja-JP" altLang="en-US" dirty="0"/>
+                    </a:p>
+                  </a:txBody>
+                  <a:tcPr/>
+                </a:tc>
+                <a:tc>
+                  <a:txBody>
+                    <a:bodyPr/>
+                    <a:lstStyle/>
+                    <a:p>
+                      <a:r>
+                        <a:rPr kumimoji="1" lang="en-US" altLang="ja-JP" dirty="0" smtClean="0"/>
+                        <a:t>614</a:t>
+                      </a:r>
+                      <a:r>
+                        <a:rPr kumimoji="1" lang="ja-JP" altLang="en-US" dirty="0" smtClean="0"/>
+                        <a:t>位</a:t>
+                      </a:r>
+                      <a:r>
+                        <a:rPr kumimoji="1" lang="en-US" altLang="ja-JP" dirty="0" smtClean="0"/>
+                        <a:t>(</a:t>
+                      </a:r>
+                      <a:r>
+                        <a:rPr kumimoji="1" lang="ja-JP" altLang="en-US" dirty="0" smtClean="0"/>
+                        <a:t>上位</a:t>
+                      </a:r>
+                      <a:r>
+                        <a:rPr kumimoji="1" lang="en-US" altLang="ja-JP" dirty="0" smtClean="0"/>
+                        <a:t>14.4%)</a:t>
                       </a:r>
                       <a:endParaRPr kumimoji="1" lang="ja-JP" altLang="en-US" dirty="0"/>
                     </a:p>
@@ -4448,6 +4524,36 @@
                   </a:txBody>
                   <a:tcPr/>
                 </a:tc>
+                <a:tc>
+                  <a:txBody>
+                    <a:bodyPr/>
+                    <a:lstStyle/>
+                    <a:p>
+                      <a:r>
+                        <a:rPr kumimoji="1" lang="en-US" altLang="ja-JP" dirty="0" smtClean="0"/>
+                        <a:t>622</a:t>
+                      </a:r>
+                      <a:r>
+                        <a:rPr kumimoji="1" lang="ja-JP" altLang="en-US" dirty="0" smtClean="0"/>
+                        <a:t>位</a:t>
+                      </a:r>
+                      <a:r>
+                        <a:rPr kumimoji="1" lang="en-US" altLang="ja-JP" dirty="0" smtClean="0"/>
+                        <a:t>(</a:t>
+                      </a:r>
+                      <a:r>
+                        <a:rPr kumimoji="1" lang="ja-JP" altLang="en-US" dirty="0" smtClean="0"/>
+                        <a:t>上位</a:t>
+                      </a:r>
+                      <a:r>
+                        <a:rPr kumimoji="1" lang="en-US" altLang="ja-JP" dirty="0" smtClean="0"/>
+                        <a:t>14.6%)</a:t>
+                      </a:r>
+                      <a:endParaRPr kumimoji="1" lang="ja-JP" altLang="en-US" dirty="0"/>
+                    </a:p>
+                  </a:txBody>
+                  <a:tcPr/>
+                </a:tc>
               </a:tr>
               <a:tr h="370840">
                 <a:tc>
@@ -4501,6 +4607,53 @@
                         <a:rPr kumimoji="1" lang="en-US" altLang="ja-JP" dirty="0" smtClean="0"/>
                         <a:t>0.11703</a:t>
                       </a:r>
+                    </a:p>
+                  </a:txBody>
+                  <a:tcPr/>
+                </a:tc>
+                <a:tc>
+                  <a:txBody>
+                    <a:bodyPr/>
+                    <a:lstStyle/>
+                    <a:p>
+                      <a:pPr marL="0" marR="0" indent="0" algn="l" defTabSz="914400" rtl="0" eaLnBrk="1" fontAlgn="auto" latinLnBrk="0" hangingPunct="1">
+                        <a:lnSpc>
+                          <a:spcPct val="100000"/>
+                        </a:lnSpc>
+                        <a:spcBef>
+                          <a:spcPts val="0"/>
+                        </a:spcBef>
+                        <a:spcAft>
+                          <a:spcPts val="0"/>
+                        </a:spcAft>
+                        <a:buClrTx/>
+                        <a:buSzTx/>
+                        <a:buFontTx/>
+                        <a:buNone/>
+                        <a:tabLst/>
+                        <a:defRPr/>
+                      </a:pPr>
+                      <a:r>
+                        <a:rPr kumimoji="1" lang="en-US" altLang="ja-JP" dirty="0" smtClean="0"/>
+                        <a:t>614</a:t>
+                      </a:r>
+                      <a:r>
+                        <a:rPr kumimoji="1" lang="ja-JP" altLang="en-US" dirty="0" smtClean="0"/>
+                        <a:t>位</a:t>
+                      </a:r>
+                      <a:r>
+                        <a:rPr kumimoji="1" lang="en-US" altLang="ja-JP" dirty="0" smtClean="0"/>
+                        <a:t>(</a:t>
+                      </a:r>
+                      <a:r>
+                        <a:rPr kumimoji="1" lang="ja-JP" altLang="en-US" dirty="0" smtClean="0"/>
+                        <a:t>上位</a:t>
+                      </a:r>
+                      <a:r>
+                        <a:rPr kumimoji="1" lang="en-US" altLang="ja-JP" dirty="0" smtClean="0"/>
+                        <a:t>14.4%)</a:t>
+                      </a:r>
+                      <a:endParaRPr kumimoji="1" lang="ja-JP" altLang="en-US" dirty="0" smtClean="0"/>
                     </a:p>
                   </a:txBody>
                   <a:tcPr/>
@@ -4571,6 +4724,36 @@
                   </a:txBody>
                   <a:tcPr/>
                 </a:tc>
+                <a:tc>
+                  <a:txBody>
+                    <a:bodyPr/>
+                    <a:lstStyle/>
+                    <a:p>
+                      <a:r>
+                        <a:rPr kumimoji="1" lang="en-US" altLang="ja-JP" dirty="0" smtClean="0"/>
+                        <a:t>2011</a:t>
+                      </a:r>
+                      <a:r>
+                        <a:rPr kumimoji="1" lang="ja-JP" altLang="en-US" dirty="0" smtClean="0"/>
+                        <a:t>位</a:t>
+                      </a:r>
+                      <a:r>
+                        <a:rPr kumimoji="1" lang="en-US" altLang="ja-JP" dirty="0" smtClean="0"/>
+                        <a:t>(</a:t>
+                      </a:r>
+                      <a:r>
+                        <a:rPr kumimoji="1" lang="ja-JP" altLang="en-US" dirty="0" smtClean="0"/>
+                        <a:t>上位</a:t>
+                      </a:r>
+                      <a:r>
+                        <a:rPr kumimoji="1" lang="en-US" altLang="ja-JP" dirty="0" smtClean="0"/>
+                        <a:t>47.1%)</a:t>
+                      </a:r>
+                      <a:endParaRPr kumimoji="1" lang="en-US" altLang="ja-JP" dirty="0"/>
+                    </a:p>
+                  </a:txBody>
+                  <a:tcPr/>
+                </a:tc>
               </a:tr>
             </a:tbl>
           </a:graphicData>
@@ -4585,7 +4768,7 @@
         <p:spPr>
           <a:xfrm>
             <a:off x="395536" y="4293096"/>
-            <a:ext cx="7848872" cy="646331"/>
+            <a:ext cx="7848872" cy="1477328"/>
           </a:xfrm>
           <a:prstGeom prst="rect">
             <a:avLst/>
@@ -4616,9 +4799,148 @@
             </a:r>
             <a:r>
               <a:rPr kumimoji="1" lang="ja-JP" altLang="en-US" dirty="0" smtClean="0"/>
-              <a:t>を適用してみた</a:t>
-            </a:r>
-            <a:endParaRPr kumimoji="1" lang="ja-JP" altLang="en-US" dirty="0"/>
+              <a:t>を適用して</a:t>
+            </a:r>
+            <a:r>
+              <a:rPr kumimoji="1" lang="ja-JP" altLang="en-US" dirty="0" smtClean="0"/>
+              <a:t>みた</a:t>
+            </a:r>
+            <a:r>
+              <a:rPr lang="ja-JP" altLang="en-US" dirty="0" smtClean="0"/>
+              <a:t>。</a:t>
+            </a:r>
+            <a:r>
+              <a:rPr lang="en-US" altLang="ja-JP" dirty="0" smtClean="0">
+                <a:solidFill>
+                  <a:srgbClr val="FF0000"/>
+                </a:solidFill>
+              </a:rPr>
+              <a:t>Score</a:t>
+            </a:r>
+            <a:r>
+              <a:rPr lang="ja-JP" altLang="en-US" dirty="0" err="1" smtClean="0">
+                <a:solidFill>
+                  <a:srgbClr val="FF0000"/>
+                </a:solidFill>
+              </a:rPr>
+              <a:t>だけ</a:t>
+            </a:r>
+            <a:r>
+              <a:rPr lang="ja-JP" altLang="en-US" dirty="0" smtClean="0">
+                <a:solidFill>
+                  <a:srgbClr val="FF0000"/>
+                </a:solidFill>
+              </a:rPr>
+              <a:t>みると</a:t>
+            </a:r>
+            <a:r>
+              <a:rPr lang="en-US" altLang="ja-JP" dirty="0" smtClean="0">
+                <a:solidFill>
+                  <a:srgbClr val="FF0000"/>
+                </a:solidFill>
+              </a:rPr>
+              <a:t>0.02</a:t>
+            </a:r>
+            <a:r>
+              <a:rPr lang="ja-JP" altLang="en-US" dirty="0" err="1" smtClean="0">
+                <a:solidFill>
+                  <a:srgbClr val="FF0000"/>
+                </a:solidFill>
+              </a:rPr>
+              <a:t>だけの</a:t>
+            </a:r>
+            <a:r>
+              <a:rPr lang="ja-JP" altLang="en-US" dirty="0" smtClean="0">
+                <a:solidFill>
+                  <a:srgbClr val="FF0000"/>
+                </a:solidFill>
+              </a:rPr>
+              <a:t>差ですが、順位はガクッと落ちてます。</a:t>
+            </a:r>
+            <a:endParaRPr kumimoji="1" lang="en-US" altLang="ja-JP" dirty="0" smtClean="0">
+              <a:solidFill>
+                <a:srgbClr val="FF0000"/>
+              </a:solidFill>
+            </a:endParaRPr>
+          </a:p>
+          <a:p>
+            <a:r>
+              <a:rPr lang="ja-JP" altLang="en-US" dirty="0" smtClean="0">
+                <a:solidFill>
+                  <a:srgbClr val="FF0000"/>
+                </a:solidFill>
+              </a:rPr>
+              <a:t>＊</a:t>
+            </a:r>
+            <a:r>
+              <a:rPr lang="en-US" altLang="ja-JP" dirty="0" smtClean="0">
+                <a:solidFill>
+                  <a:srgbClr val="FF0000"/>
+                </a:solidFill>
+              </a:rPr>
+              <a:t>Score</a:t>
+            </a:r>
+            <a:r>
+              <a:rPr lang="ja-JP" altLang="en-US" dirty="0" smtClean="0">
+                <a:solidFill>
+                  <a:srgbClr val="FF0000"/>
+                </a:solidFill>
+              </a:rPr>
+              <a:t>は</a:t>
+            </a:r>
+            <a:r>
+              <a:rPr lang="en-US" altLang="ja-JP" dirty="0" smtClean="0">
+                <a:solidFill>
+                  <a:srgbClr val="FF0000"/>
+                </a:solidFill>
+              </a:rPr>
+              <a:t>10</a:t>
+            </a:r>
+            <a:r>
+              <a:rPr lang="ja-JP" altLang="en-US" dirty="0" smtClean="0">
+                <a:solidFill>
+                  <a:srgbClr val="FF0000"/>
+                </a:solidFill>
+              </a:rPr>
+              <a:t>月の時と変わらないのですが、</a:t>
+            </a:r>
+            <a:r>
+              <a:rPr lang="en-US" altLang="ja-JP" dirty="0" smtClean="0">
+                <a:solidFill>
+                  <a:srgbClr val="FF0000"/>
+                </a:solidFill>
+              </a:rPr>
+              <a:t>11/23</a:t>
+            </a:r>
+            <a:r>
+              <a:rPr lang="ja-JP" altLang="en-US" dirty="0" smtClean="0">
+                <a:solidFill>
+                  <a:srgbClr val="FF0000"/>
+                </a:solidFill>
+              </a:rPr>
+              <a:t>に確認するとなぜか</a:t>
+            </a:r>
+            <a:r>
+              <a:rPr lang="en-US" altLang="ja-JP" dirty="0" smtClean="0">
+                <a:solidFill>
+                  <a:srgbClr val="FF0000"/>
+                </a:solidFill>
+              </a:rPr>
+              <a:t>100</a:t>
+            </a:r>
+            <a:r>
+              <a:rPr lang="ja-JP" altLang="en-US" dirty="0" smtClean="0">
+                <a:solidFill>
+                  <a:srgbClr val="FF0000"/>
+                </a:solidFill>
+              </a:rPr>
+              <a:t>位くらい上位になっていました。</a:t>
+            </a:r>
+            <a:endParaRPr kumimoji="1" lang="ja-JP" altLang="en-US" dirty="0">
+              <a:solidFill>
+                <a:srgbClr val="FF0000"/>
+              </a:solidFill>
+            </a:endParaRPr>
           </a:p>
         </p:txBody>
       </p:sp>
@@ -7822,7 +8144,7 @@
             <a:avLst/>
           </a:prstGeom>
           <a:solidFill>
-            <a:srgbClr val="FFFF00"/>
+            <a:schemeClr val="bg1"/>
           </a:solidFill>
         </p:spPr>
         <p:style>
@@ -7870,8 +8192,62 @@
               <a:gd name="adj2" fmla="val 57461"/>
             </a:avLst>
           </a:prstGeom>
+        </p:spPr>
+        <p:style>
+          <a:lnRef idx="2">
+            <a:schemeClr val="dk1"/>
+          </a:lnRef>
+          <a:fillRef idx="1">
+            <a:schemeClr val="lt1"/>
+          </a:fillRef>
+          <a:effectRef idx="0">
+            <a:schemeClr val="dk1"/>
+          </a:effectRef>
+          <a:fontRef idx="minor">
+            <a:schemeClr val="dk1"/>
+          </a:fontRef>
+        </p:style>
+        <p:txBody>
+          <a:bodyPr rot="0" spcFirstLastPara="0" vertOverflow="overflow" horzOverflow="overflow" vert="horz" wrap="square" lIns="91440" tIns="45720" rIns="91440" bIns="45720" numCol="1" spcCol="0" rtlCol="0" fromWordArt="0" anchor="ctr" anchorCtr="0" forceAA="0" compatLnSpc="1">
+            <a:prstTxWarp prst="textNoShape">
+              <a:avLst/>
+            </a:prstTxWarp>
+            <a:noAutofit/>
+          </a:bodyPr>
+          <a:lstStyle/>
+          <a:p>
+            <a:pPr algn="ctr"/>
+            <a:r>
+              <a:rPr lang="ja-JP" altLang="en-US" dirty="0"/>
+              <a:t>有効な説明変数を特定したい</a:t>
+            </a:r>
+            <a:r>
+              <a:rPr lang="ja-JP" altLang="en-US" dirty="0"/>
+              <a:t>か</a:t>
+            </a:r>
+            <a:endParaRPr lang="ja-JP" altLang="en-US" dirty="0"/>
+          </a:p>
+        </p:txBody>
+      </p:sp>
+      <p:sp>
+        <p:nvSpPr>
+          <p:cNvPr id="23" name="四角形吹き出し 22"/>
+          <p:cNvSpPr/>
+          <p:nvPr/>
+        </p:nvSpPr>
+        <p:spPr>
+          <a:xfrm>
+            <a:off x="1403648" y="4321395"/>
+            <a:ext cx="1800200" cy="648072"/>
+          </a:xfrm>
+          <a:prstGeom prst="wedgeRectCallout">
+            <a:avLst>
+              <a:gd name="adj1" fmla="val 53388"/>
+              <a:gd name="adj2" fmla="val 111632"/>
+            </a:avLst>
+          </a:prstGeom>
           <a:solidFill>
-            <a:srgbClr val="FFFF00"/>
+            <a:schemeClr val="bg1"/>
           </a:solidFill>
         </p:spPr>
         <p:style>
@@ -7894,58 +8270,6 @@
           <a:p>
             <a:pPr algn="ctr"/>
             <a:r>
-              <a:rPr lang="ja-JP" altLang="en-US" dirty="0"/>
-              <a:t>有効な説明変数を特定したい</a:t>
-            </a:r>
-            <a:r>
-              <a:rPr lang="ja-JP" altLang="en-US" dirty="0" smtClean="0"/>
-              <a:t>か</a:t>
-            </a:r>
-            <a:endParaRPr lang="ja-JP" altLang="en-US" dirty="0"/>
-          </a:p>
-        </p:txBody>
-      </p:sp>
-      <p:sp>
-        <p:nvSpPr>
-          <p:cNvPr id="23" name="四角形吹き出し 22"/>
-          <p:cNvSpPr/>
-          <p:nvPr/>
-        </p:nvSpPr>
-        <p:spPr>
-          <a:xfrm>
-            <a:off x="1403648" y="4321395"/>
-            <a:ext cx="1800200" cy="648072"/>
-          </a:xfrm>
-          <a:prstGeom prst="wedgeRectCallout">
-            <a:avLst>
-              <a:gd name="adj1" fmla="val 53388"/>
-              <a:gd name="adj2" fmla="val 111632"/>
-            </a:avLst>
-          </a:prstGeom>
-          <a:solidFill>
-            <a:srgbClr val="FFFF00"/>
-          </a:solidFill>
-        </p:spPr>
-        <p:style>
-          <a:lnRef idx="2">
-            <a:schemeClr val="dk1"/>
-          </a:lnRef>
-          <a:fillRef idx="1">
-            <a:schemeClr val="lt1"/>
-          </a:fillRef>
-          <a:effectRef idx="0">
-            <a:schemeClr val="dk1"/>
-          </a:effectRef>
-          <a:fontRef idx="minor">
-            <a:schemeClr val="dk1"/>
-          </a:fontRef>
-        </p:style>
-        <p:txBody>
-          <a:bodyPr rtlCol="0" anchor="ctr"/>
-          <a:lstStyle/>
-          <a:p>
-            <a:pPr algn="ctr"/>
-            <a:r>
               <a:rPr lang="en-US" altLang="ja-JP" dirty="0"/>
               <a:t>0</a:t>
             </a:r>
@@ -7976,7 +8300,7 @@
             <a:avLst/>
           </a:prstGeom>
           <a:solidFill>
-            <a:srgbClr val="FFFF00"/>
+            <a:schemeClr val="bg1"/>
           </a:solidFill>
         </p:spPr>
         <p:style>
@@ -8094,7 +8418,7 @@
             <a:avLst/>
           </a:prstGeom>
           <a:solidFill>
-            <a:srgbClr val="FFFF00"/>
+            <a:schemeClr val="bg1"/>
           </a:solidFill>
         </p:spPr>
         <p:style>
@@ -8129,7 +8453,6 @@
               <a:rPr kumimoji="1" lang="ja-JP" altLang="en-US" dirty="0" smtClean="0"/>
               <a:t>の列を削除</a:t>
             </a:r>
-            <a:endParaRPr kumimoji="1" lang="ja-JP" altLang="en-US" dirty="0" smtClean="0"/>
           </a:p>
         </p:txBody>
       </p:sp>
@@ -8431,7 +8754,7 @@
         <p:spPr/>
         <p:txBody>
           <a:bodyPr>
-            <a:normAutofit/>
+            <a:normAutofit fontScale="92500" lnSpcReduction="10000"/>
           </a:bodyPr>
           <a:lstStyle/>
           <a:p>
@@ -8460,15 +8783,7 @@
           <a:p>
             <a:r>
               <a:rPr lang="en-US" altLang="ja-JP" dirty="0" smtClean="0"/>
-              <a:t>One </a:t>
-            </a:r>
-            <a:r>
-              <a:rPr lang="en-US" altLang="ja-JP" dirty="0" smtClean="0"/>
-              <a:t>Hot </a:t>
-            </a:r>
-            <a:r>
-              <a:rPr lang="en-US" altLang="ja-JP" dirty="0" smtClean="0"/>
-              <a:t>Encoding</a:t>
+              <a:t>One Hot Encoding</a:t>
             </a:r>
             <a:endParaRPr lang="en-US" altLang="ja-JP" dirty="0"/>
           </a:p>
@@ -8512,13 +8827,8 @@
             </a:r>
             <a:r>
               <a:rPr kumimoji="1" lang="en-US" altLang="ja-JP" dirty="0" smtClean="0"/>
-              <a:t>A, B, </a:t>
-            </a:r>
-            <a:r>
-              <a:rPr kumimoji="1" lang="en-US" altLang="ja-JP" dirty="0" smtClean="0"/>
-              <a:t>C</a:t>
-            </a:r>
-            <a:endParaRPr kumimoji="1" lang="en-US" altLang="ja-JP" dirty="0" smtClean="0"/>
+              <a:t>A, B, C</a:t>
+            </a:r>
           </a:p>
           <a:p>
             <a:pPr lvl="3"/>
@@ -8528,30 +8838,109 @@
             </a:r>
             <a:r>
               <a:rPr kumimoji="1" lang="en-US" altLang="ja-JP" dirty="0" smtClean="0"/>
-              <a:t>: B, C, D, </a:t>
+              <a:t>: B, C, D, E</a:t>
+            </a:r>
+          </a:p>
+          <a:p>
+            <a:pPr lvl="1"/>
+            <a:r>
+              <a:rPr kumimoji="1" lang="en-US" altLang="ja-JP" dirty="0" err="1" smtClean="0"/>
+              <a:t>Pandas.</a:t>
+            </a:r>
+            <a:r>
+              <a:rPr lang="en-US" altLang="ja-JP" dirty="0" err="1" smtClean="0"/>
+              <a:t>get_dummies</a:t>
+            </a:r>
+            <a:r>
+              <a:rPr lang="ja-JP" altLang="en-US" dirty="0" smtClean="0"/>
+              <a:t>は非推奨</a:t>
+            </a:r>
+            <a:endParaRPr lang="en-US" altLang="ja-JP" dirty="0" smtClean="0"/>
+          </a:p>
+          <a:p>
+            <a:pPr lvl="2"/>
+            <a:r>
+              <a:rPr kumimoji="1" lang="ja-JP" altLang="en-US" dirty="0"/>
+              <a:t>メモリ</a:t>
+            </a:r>
+            <a:r>
+              <a:rPr kumimoji="1" lang="ja-JP" altLang="en-US" dirty="0" smtClean="0"/>
+              <a:t>を大量に消費するためカテゴリ数が多い、データ量が多い場合メモリオーバーになる</a:t>
+            </a:r>
+            <a:endParaRPr kumimoji="1" lang="en-US" altLang="ja-JP" dirty="0" smtClean="0"/>
+          </a:p>
+          <a:p>
+            <a:pPr lvl="1"/>
+            <a:r>
+              <a:rPr lang="en-US" altLang="ja-JP" dirty="0" err="1" smtClean="0"/>
+              <a:t>sklearn.preprocessing</a:t>
+            </a:r>
+            <a:r>
+              <a:rPr lang="ja-JP" altLang="en-US" dirty="0" smtClean="0"/>
+              <a:t>の</a:t>
+            </a:r>
+            <a:r>
+              <a:rPr lang="en-US" altLang="ja-JP" dirty="0" err="1"/>
+              <a:t>OneHotEncoder</a:t>
+            </a:r>
+            <a:r>
+              <a:rPr lang="ja-JP" altLang="en-US" dirty="0" smtClean="0"/>
+              <a:t>を推奨</a:t>
+            </a:r>
+            <a:endParaRPr lang="en-US" altLang="ja-JP" dirty="0" smtClean="0"/>
+          </a:p>
+          <a:p>
+            <a:pPr lvl="2"/>
+            <a:r>
+              <a:rPr lang="en-US" altLang="ja-JP" dirty="0" err="1" smtClean="0"/>
+              <a:t>OneHotEncoder</a:t>
+            </a:r>
+            <a:r>
+              <a:rPr lang="ja-JP" altLang="en-US" dirty="0" smtClean="0"/>
+              <a:t>を利用するには、対象が数値データでないと実行できないため、</a:t>
+            </a:r>
+            <a:r>
+              <a:rPr lang="en-US" altLang="ja-JP" dirty="0" err="1" smtClean="0"/>
+              <a:t>LabelEncoder</a:t>
+            </a:r>
+            <a:r>
+              <a:rPr lang="ja-JP" altLang="en-US" dirty="0" smtClean="0"/>
+              <a:t>で事前に数値に変換する必要がある</a:t>
+            </a:r>
+            <a:endParaRPr lang="en-US" altLang="ja-JP" dirty="0" smtClean="0"/>
+          </a:p>
+          <a:p>
+            <a:pPr lvl="2"/>
+            <a:r>
+              <a:rPr kumimoji="1" lang="en-US" altLang="ja-JP" dirty="0" err="1" smtClean="0"/>
+              <a:t>OneHotEncoder</a:t>
+            </a:r>
+            <a:r>
+              <a:rPr kumimoji="1" lang="ja-JP" altLang="en-US" dirty="0" smtClean="0"/>
+              <a:t>では欠損値が</a:t>
             </a:r>
             <a:r>
               <a:rPr kumimoji="1" lang="en-US" altLang="ja-JP" dirty="0" smtClean="0"/>
-              <a:t>E</a:t>
-            </a:r>
-          </a:p>
-          <a:p>
-            <a:pPr lvl="1"/>
+              <a:t>”nan”</a:t>
+            </a:r>
+            <a:r>
+              <a:rPr kumimoji="1" lang="ja-JP" altLang="en-US" dirty="0" smtClean="0"/>
+              <a:t>列となってしまうため削除する必要</a:t>
+            </a:r>
+            <a:r>
+              <a:rPr kumimoji="1" lang="ja-JP" altLang="en-US" dirty="0" smtClean="0"/>
+              <a:t>あり</a:t>
+            </a:r>
+            <a:endParaRPr kumimoji="1" lang="en-US" altLang="ja-JP" dirty="0" smtClean="0"/>
+          </a:p>
+          <a:p>
             <a:r>
               <a:rPr kumimoji="1" lang="en-US" altLang="ja-JP" dirty="0" err="1" smtClean="0">
                 <a:solidFill>
                   <a:srgbClr val="FF0000"/>
                 </a:solidFill>
               </a:rPr>
-              <a:t>Pandas.</a:t>
-            </a:r>
-            <a:r>
-              <a:rPr lang="en-US" altLang="ja-JP" dirty="0" err="1" smtClean="0">
-                <a:solidFill>
-                  <a:srgbClr val="FF0000"/>
-                </a:solidFill>
-              </a:rPr>
-              <a:t>get_dummies</a:t>
+              <a:t>dataframe</a:t>
             </a:r>
             <a:r>
               <a:rPr lang="ja-JP" altLang="en-US" dirty="0" smtClean="0">
@@ -8559,7 +8948,23 @@
                   <a:srgbClr val="FF0000"/>
                 </a:solidFill>
               </a:rPr>
-              <a:t>は非推奨</a:t>
+              <a:t>でイテレータでデータを取り出す方法は</a:t>
+            </a:r>
+            <a:r>
+              <a:rPr lang="ja-JP" altLang="en-US" smtClean="0">
+                <a:solidFill>
+                  <a:srgbClr val="FF0000"/>
+                </a:solidFill>
+              </a:rPr>
+              <a:t>遅いので</a:t>
+            </a:r>
+            <a:r>
+              <a:rPr lang="ja-JP" altLang="en-US">
+                <a:solidFill>
+                  <a:srgbClr val="FF0000"/>
+                </a:solidFill>
+              </a:rPr>
+              <a:t>非推奨</a:t>
             </a:r>
             <a:endParaRPr lang="en-US" altLang="ja-JP" dirty="0" smtClean="0">
               <a:solidFill>
@@ -8568,14 +8973,14 @@
             </a:endParaRPr>
           </a:p>
           <a:p>
-            <a:pPr lvl="2"/>
-            <a:r>
-              <a:rPr kumimoji="1" lang="ja-JP" altLang="en-US" dirty="0">
+            <a:pPr lvl="1"/>
+            <a:r>
+              <a:rPr kumimoji="1" lang="en-US" altLang="ja-JP" dirty="0" err="1" smtClean="0">
                 <a:solidFill>
                   <a:srgbClr val="FF0000"/>
                 </a:solidFill>
               </a:rPr>
-              <a:t>メモリ</a:t>
+              <a:t>Numpy</a:t>
             </a:r>
             <a:r>
               <a:rPr kumimoji="1" lang="ja-JP" altLang="en-US" dirty="0" smtClean="0">
@@ -8583,103 +8988,31 @@
                   <a:srgbClr val="FF0000"/>
                 </a:solidFill>
               </a:rPr>
-              <a:t>を大量に消費するためカテゴリ数が多い、データ量が多い場合メモリオーバーになる</a:t>
-            </a:r>
-            <a:endParaRPr kumimoji="1" lang="en-US" altLang="ja-JP" dirty="0" smtClean="0">
-              <a:solidFill>
-                <a:srgbClr val="FF0000"/>
-              </a:solidFill>
-            </a:endParaRPr>
-          </a:p>
-          <a:p>
-            <a:pPr lvl="1"/>
-            <a:r>
-              <a:rPr lang="en-US" altLang="ja-JP" dirty="0" err="1" smtClean="0">
+              <a:t>の</a:t>
+            </a:r>
+            <a:r>
+              <a:rPr kumimoji="1" lang="en-US" altLang="ja-JP" dirty="0" smtClean="0">
                 <a:solidFill>
                   <a:srgbClr val="FF0000"/>
                 </a:solidFill>
               </a:rPr>
-              <a:t>sklearn.preprocessing</a:t>
-            </a:r>
-            <a:r>
-              <a:rPr lang="ja-JP" altLang="en-US" dirty="0" smtClean="0">
-                <a:solidFill>
-                  <a:srgbClr val="FF0000"/>
-                </a:solidFill>
-              </a:rPr>
-              <a:t>の</a:t>
-            </a:r>
-            <a:r>
-              <a:rPr lang="en-US" altLang="ja-JP" dirty="0" err="1">
-                <a:solidFill>
-                  <a:srgbClr val="FF0000"/>
-                </a:solidFill>
-              </a:rPr>
-              <a:t>OneHotEncoder</a:t>
-            </a:r>
-            <a:r>
-              <a:rPr lang="ja-JP" altLang="en-US" dirty="0" smtClean="0">
-                <a:solidFill>
-                  <a:srgbClr val="FF0000"/>
-                </a:solidFill>
-              </a:rPr>
-              <a:t>を推奨</a:t>
-            </a:r>
-            <a:endParaRPr lang="en-US" altLang="ja-JP" dirty="0" smtClean="0">
-              <a:solidFill>
-                <a:srgbClr val="FF0000"/>
-              </a:solidFill>
-            </a:endParaRPr>
-          </a:p>
-          <a:p>
-            <a:pPr lvl="2"/>
-            <a:r>
-              <a:rPr lang="en-US" altLang="ja-JP" dirty="0" err="1" smtClean="0">
-                <a:solidFill>
-                  <a:srgbClr val="FF0000"/>
-                </a:solidFill>
-              </a:rPr>
-              <a:t>OneHotEncoder</a:t>
-            </a:r>
-            <a:r>
-              <a:rPr lang="ja-JP" altLang="en-US" dirty="0" smtClean="0">
-                <a:solidFill>
-                  <a:srgbClr val="FF0000"/>
-                </a:solidFill>
-              </a:rPr>
-              <a:t>を利用するには、対象が数値データでないと実行できないため、</a:t>
-            </a:r>
-            <a:r>
-              <a:rPr lang="en-US" altLang="ja-JP" dirty="0" err="1" smtClean="0">
-                <a:solidFill>
-                  <a:srgbClr val="FF0000"/>
-                </a:solidFill>
-              </a:rPr>
-              <a:t>LabelEncoder</a:t>
-            </a:r>
-            <a:r>
-              <a:rPr lang="ja-JP" altLang="en-US" dirty="0" smtClean="0">
-                <a:solidFill>
-                  <a:srgbClr val="FF0000"/>
-                </a:solidFill>
-              </a:rPr>
-              <a:t>で事前に数値に変換する必要がある</a:t>
-            </a:r>
-            <a:endParaRPr lang="en-US" altLang="ja-JP" dirty="0" smtClean="0">
-              <a:solidFill>
-                <a:srgbClr val="FF0000"/>
-              </a:solidFill>
-            </a:endParaRPr>
-          </a:p>
-          <a:p>
-            <a:pPr lvl="2"/>
+              <a:t>Array(</a:t>
+            </a:r>
             <a:r>
               <a:rPr kumimoji="1" lang="en-US" altLang="ja-JP" dirty="0" err="1" smtClean="0">
                 <a:solidFill>
                   <a:srgbClr val="FF0000"/>
                 </a:solidFill>
               </a:rPr>
-              <a:t>OneHotEncoder</a:t>
+              <a:t>dataframe.values</a:t>
+            </a:r>
+            <a:r>
+              <a:rPr kumimoji="1" lang="en-US" altLang="ja-JP" dirty="0" smtClean="0">
+                <a:solidFill>
+                  <a:srgbClr val="FF0000"/>
+                </a:solidFill>
+              </a:rPr>
+              <a:t>)</a:t>
             </a:r>
             <a:r>
               <a:rPr kumimoji="1" lang="ja-JP" altLang="en-US" dirty="0" smtClean="0">
@@ -8687,23 +9020,7 @@
                   <a:srgbClr val="FF0000"/>
                 </a:solidFill>
               </a:rPr>
-              <a:t>では欠損値が</a:t>
-            </a:r>
-            <a:r>
-              <a:rPr kumimoji="1" lang="en-US" altLang="ja-JP" dirty="0" smtClean="0">
-                <a:solidFill>
-                  <a:srgbClr val="FF0000"/>
-                </a:solidFill>
-              </a:rPr>
-              <a:t>”nan”</a:t>
-            </a:r>
-            <a:r>
-              <a:rPr kumimoji="1" lang="ja-JP" altLang="en-US" dirty="0" smtClean="0">
-                <a:solidFill>
-                  <a:srgbClr val="FF0000"/>
-                </a:solidFill>
-              </a:rPr>
-              <a:t>列となってしまうため削除する必要あり</a:t>
+              <a:t>を使うと処理を高速化できる</a:t>
             </a:r>
             <a:endParaRPr kumimoji="1" lang="ja-JP" altLang="en-US" dirty="0">
               <a:solidFill>
